--- a/sessions/6-manipulate-data.pptx
+++ b/sessions/6-manipulate-data.pptx
@@ -5,7 +5,7 @@
     <p:sldMasterId id="2147483648" r:id="rId1"/>
   </p:sldMasterIdLst>
   <p:notesMasterIdLst>
-    <p:NotesMasterId r:id="rId29"/>
+    <p:NotesMasterId r:id="rId28"/>
   </p:notesMasterIdLst>
   <p:sldIdLst>
     <p:sldId id="256" r:id="rId2"/>
@@ -34,7 +34,6 @@
     <p:sldId id="279" r:id="rId25"/>
     <p:sldId id="280" r:id="rId26"/>
     <p:sldId id="281" r:id="rId27"/>
-    <p:sldId id="282" r:id="rId28"/>
   </p:sldIdLst>
   <p:sldSz cx="12192000" cy="6858000"/>
   <p:notesSz cx="6858000" cy="9144000"/>
@@ -4721,31 +4720,55 @@
             </a:pPr>
             <a:r>
               <a:rPr/>
-              <a:t>Other</a:t>
-            </a:r>
-            <a:r>
-              <a:rPr/>
-              <a:t> </a:t>
-            </a:r>
-            <a:r>
-              <a:rPr/>
-              <a:t>dplyr</a:t>
-            </a:r>
-            <a:r>
-              <a:rPr/>
-              <a:t> </a:t>
-            </a:r>
-            <a:r>
-              <a:rPr/>
-              <a:t>wrangling</a:t>
-            </a:r>
-            <a:r>
-              <a:rPr/>
-              <a:t> </a:t>
-            </a:r>
-            <a:r>
-              <a:rPr/>
-              <a:t>verbs</a:t>
+              <a:t>Example</a:t>
+            </a:r>
+            <a:r>
+              <a:rPr/>
+              <a:t> </a:t>
+            </a:r>
+            <a:r>
+              <a:rPr/>
+              <a:t>of</a:t>
+            </a:r>
+            <a:r>
+              <a:rPr/>
+              <a:t> </a:t>
+            </a:r>
+            <a:r>
+              <a:rPr/>
+              <a:t>using</a:t>
+            </a:r>
+            <a:r>
+              <a:rPr/>
+              <a:t> </a:t>
+            </a:r>
+            <a:r>
+              <a:rPr/>
+              <a:t>group</a:t>
+            </a:r>
+            <a:r>
+              <a:rPr/>
+              <a:t> </a:t>
+            </a:r>
+            <a:r>
+              <a:rPr/>
+              <a:t>by</a:t>
+            </a:r>
+            <a:r>
+              <a:rPr/>
+              <a:t> </a:t>
+            </a:r>
+            <a:r>
+              <a:rPr/>
+              <a:t>and</a:t>
+            </a:r>
+            <a:r>
+              <a:rPr/>
+              <a:t> </a:t>
+            </a:r>
+            <a:r>
+              <a:rPr/>
+              <a:t>summarise</a:t>
             </a:r>
           </a:p>
         </p:txBody>
@@ -4771,39 +4794,141 @@
           <a:bodyPr/>
           <a:lstStyle/>
           <a:p>
-            <a:pPr lvl="1"/>
-            <a:r>
-              <a:rPr sz="1800">
-                <a:latin typeface="Courier"/>
-              </a:rPr>
-              <a:t>filter()</a:t>
-            </a:r>
-          </a:p>
-          <a:p>
-            <a:pPr lvl="1"/>
-            <a:r>
-              <a:rPr sz="1800">
-                <a:latin typeface="Courier"/>
-              </a:rPr>
-              <a:t>select()</a:t>
-            </a:r>
-          </a:p>
-          <a:p>
-            <a:pPr lvl="1"/>
-            <a:r>
-              <a:rPr sz="1800">
-                <a:latin typeface="Courier"/>
-              </a:rPr>
-              <a:t>group_by()</a:t>
-            </a:r>
-          </a:p>
-          <a:p>
-            <a:pPr lvl="1"/>
-            <a:r>
-              <a:rPr sz="1800">
-                <a:latin typeface="Courier"/>
-              </a:rPr>
-              <a:t>summarise()</a:t>
+            <a:pPr lvl="0" marL="1270000" indent="0">
+              <a:buNone/>
+            </a:pPr>
+            <a:r>
+              <a:rPr sz="1800">
+                <a:latin typeface="Courier"/>
+              </a:rPr>
+              <a:t>cchic </a:t>
+            </a:r>
+            <a:r>
+              <a:rPr sz="1800">
+                <a:solidFill>
+                  <a:srgbClr val="666666"/>
+                </a:solidFill>
+                <a:latin typeface="Courier"/>
+              </a:rPr>
+              <a:t>%&gt;%</a:t>
+            </a:r>
+            <a:br/>
+            <a:r>
+              <a:rPr sz="1800">
+                <a:solidFill>
+                  <a:srgbClr val="4070A0"/>
+                </a:solidFill>
+                <a:latin typeface="Courier"/>
+              </a:rPr>
+              <a:t>  </a:t>
+            </a:r>
+            <a:r>
+              <a:rPr sz="1800" b="1">
+                <a:solidFill>
+                  <a:srgbClr val="007020"/>
+                </a:solidFill>
+                <a:latin typeface="Courier"/>
+              </a:rPr>
+              <a:t>group_by</a:t>
+            </a:r>
+            <a:r>
+              <a:rPr sz="1800">
+                <a:latin typeface="Courier"/>
+              </a:rPr>
+              <a:t>(sex) </a:t>
+            </a:r>
+            <a:r>
+              <a:rPr sz="1800">
+                <a:solidFill>
+                  <a:srgbClr val="666666"/>
+                </a:solidFill>
+                <a:latin typeface="Courier"/>
+              </a:rPr>
+              <a:t>%&gt;%</a:t>
+            </a:r>
+            <a:br/>
+            <a:r>
+              <a:rPr sz="1800">
+                <a:solidFill>
+                  <a:srgbClr val="4070A0"/>
+                </a:solidFill>
+                <a:latin typeface="Courier"/>
+              </a:rPr>
+              <a:t>  </a:t>
+            </a:r>
+            <a:r>
+              <a:rPr sz="1800" b="1">
+                <a:solidFill>
+                  <a:srgbClr val="007020"/>
+                </a:solidFill>
+                <a:latin typeface="Courier"/>
+              </a:rPr>
+              <a:t>summarise</a:t>
+            </a:r>
+            <a:r>
+              <a:rPr sz="1800">
+                <a:latin typeface="Courier"/>
+              </a:rPr>
+              <a:t>(</a:t>
+            </a:r>
+            <a:r>
+              <a:rPr sz="1800">
+                <a:solidFill>
+                  <a:srgbClr val="902000"/>
+                </a:solidFill>
+                <a:latin typeface="Courier"/>
+              </a:rPr>
+              <a:t>mean_urea =</a:t>
+            </a:r>
+            <a:r>
+              <a:rPr sz="1800">
+                <a:latin typeface="Courier"/>
+              </a:rPr>
+              <a:t> </a:t>
+            </a:r>
+            <a:r>
+              <a:rPr sz="1800" b="1">
+                <a:solidFill>
+                  <a:srgbClr val="007020"/>
+                </a:solidFill>
+                <a:latin typeface="Courier"/>
+              </a:rPr>
+              <a:t>mean</a:t>
+            </a:r>
+            <a:r>
+              <a:rPr sz="1800">
+                <a:latin typeface="Courier"/>
+              </a:rPr>
+              <a:t>(urea))</a:t>
+            </a:r>
+          </a:p>
+          <a:p>
+            <a:pPr lvl="0" marL="0" indent="0">
+              <a:buNone/>
+            </a:pPr>
+            <a:r>
+              <a:rPr/>
+              <a:t>What is the output?</a:t>
+            </a:r>
+          </a:p>
+          <a:p>
+            <a:pPr lvl="0" marL="0" indent="0">
+              <a:buNone/>
+            </a:pPr>
+          </a:p>
+          <a:p>
+            <a:pPr lvl="0" marL="0" indent="0">
+              <a:buNone/>
+            </a:pPr>
+            <a:r>
+              <a:rPr/>
+              <a:t>Hint – check for missing values in </a:t>
+            </a:r>
+            <a:r>
+              <a:rPr sz="1800">
+                <a:latin typeface="Courier"/>
+              </a:rPr>
+              <a:t>cchic$urea</a:t>
             </a:r>
           </a:p>
         </p:txBody>
@@ -4856,55 +4981,23 @@
             </a:pPr>
             <a:r>
               <a:rPr/>
-              <a:t>Example</a:t>
-            </a:r>
-            <a:r>
-              <a:rPr/>
-              <a:t> </a:t>
-            </a:r>
-            <a:r>
-              <a:rPr/>
-              <a:t>of</a:t>
-            </a:r>
-            <a:r>
-              <a:rPr/>
-              <a:t> </a:t>
-            </a:r>
-            <a:r>
-              <a:rPr/>
-              <a:t>using</a:t>
-            </a:r>
-            <a:r>
-              <a:rPr/>
-              <a:t> </a:t>
-            </a:r>
-            <a:r>
-              <a:rPr/>
-              <a:t>group</a:t>
-            </a:r>
-            <a:r>
-              <a:rPr/>
-              <a:t> </a:t>
-            </a:r>
-            <a:r>
-              <a:rPr/>
-              <a:t>by</a:t>
-            </a:r>
-            <a:r>
-              <a:rPr/>
-              <a:t> </a:t>
-            </a:r>
-            <a:r>
-              <a:rPr/>
-              <a:t>and</a:t>
-            </a:r>
-            <a:r>
-              <a:rPr/>
-              <a:t> </a:t>
-            </a:r>
-            <a:r>
-              <a:rPr/>
-              <a:t>summarise</a:t>
+              <a:t>Make</a:t>
+            </a:r>
+            <a:r>
+              <a:rPr/>
+              <a:t> </a:t>
+            </a:r>
+            <a:r>
+              <a:rPr/>
+              <a:t>it</a:t>
+            </a:r>
+            <a:r>
+              <a:rPr/>
+              <a:t> </a:t>
+            </a:r>
+            <a:r>
+              <a:rPr/>
+              <a:t>work</a:t>
             </a:r>
           </a:p>
         </p:txBody>
@@ -5035,7 +5128,46 @@
               <a:rPr sz="1800">
                 <a:latin typeface="Courier"/>
               </a:rPr>
-              <a:t>(urea))</a:t>
+              <a:t>(urea, </a:t>
+            </a:r>
+            <a:r>
+              <a:rPr sz="1800">
+                <a:solidFill>
+                  <a:srgbClr val="902000"/>
+                </a:solidFill>
+                <a:latin typeface="Courier"/>
+              </a:rPr>
+              <a:t>na.rm=</a:t>
+            </a:r>
+            <a:r>
+              <a:rPr sz="1800">
+                <a:solidFill>
+                  <a:srgbClr val="007020"/>
+                </a:solidFill>
+                <a:latin typeface="Courier"/>
+              </a:rPr>
+              <a:t>TRUE</a:t>
+            </a:r>
+            <a:r>
+              <a:rPr sz="1800">
+                <a:latin typeface="Courier"/>
+              </a:rPr>
+              <a:t>))</a:t>
+            </a:r>
+          </a:p>
+          <a:p>
+            <a:pPr lvl="0" marL="1270000" indent="0">
+              <a:buNone/>
+            </a:pPr>
+            <a:r>
+              <a:rPr sz="1800">
+                <a:latin typeface="Courier"/>
+              </a:rPr>
+              <a:t>## # A tibble: 2 x 2
+##   sex   mean_urea
+##   &lt;chr&gt;     &lt;dbl&gt;
+## 1 F          7.49
+## 2 M          8.82</a:t>
             </a:r>
           </a:p>
           <a:p>
@@ -5044,13 +5176,7 @@
             </a:pPr>
             <a:r>
               <a:rPr/>
-              <a:t>What is the output? Hint – check for missing values in </a:t>
-            </a:r>
-            <a:r>
-              <a:rPr sz="1800">
-                <a:latin typeface="Courier"/>
-              </a:rPr>
-              <a:t>cchic$urea</a:t>
+              <a:t>An alternative is to filter out the missing values of urea.</a:t>
             </a:r>
           </a:p>
         </p:txBody>
@@ -5103,23 +5229,39 @@
             </a:pPr>
             <a:r>
               <a:rPr/>
-              <a:t>Make</a:t>
-            </a:r>
-            <a:r>
-              <a:rPr/>
-              <a:t> </a:t>
-            </a:r>
-            <a:r>
-              <a:rPr/>
-              <a:t>it</a:t>
-            </a:r>
-            <a:r>
-              <a:rPr/>
-              <a:t> </a:t>
-            </a:r>
-            <a:r>
-              <a:rPr/>
-              <a:t>work</a:t>
+              <a:t>Take</a:t>
+            </a:r>
+            <a:r>
+              <a:rPr/>
+              <a:t> </a:t>
+            </a:r>
+            <a:r>
+              <a:rPr/>
+              <a:t>a</a:t>
+            </a:r>
+            <a:r>
+              <a:rPr/>
+              <a:t> </a:t>
+            </a:r>
+            <a:r>
+              <a:rPr/>
+              <a:t>break.</a:t>
+            </a:r>
+            <a:r>
+              <a:rPr/>
+              <a:t> </a:t>
+            </a:r>
+            <a:r>
+              <a:rPr/>
+              <a:t>Any</a:t>
+            </a:r>
+            <a:r>
+              <a:rPr/>
+              <a:t> </a:t>
+            </a:r>
+            <a:r>
+              <a:rPr/>
+              <a:t>questions?</a:t>
             </a:r>
           </a:p>
         </p:txBody>
@@ -5145,160 +5287,48 @@
           <a:bodyPr/>
           <a:lstStyle/>
           <a:p>
-            <a:pPr lvl="0" marL="1270000" indent="0">
+            <a:pPr lvl="0" marL="0" indent="0">
               <a:buNone/>
             </a:pPr>
             <a:r>
-              <a:rPr sz="1800">
-                <a:latin typeface="Courier"/>
-              </a:rPr>
-              <a:t>cchic </a:t>
-            </a:r>
-            <a:r>
-              <a:rPr sz="1800">
-                <a:solidFill>
-                  <a:srgbClr val="666666"/>
-                </a:solidFill>
-                <a:latin typeface="Courier"/>
-              </a:rPr>
-              <a:t>%&gt;%</a:t>
-            </a:r>
-            <a:br/>
-            <a:r>
-              <a:rPr sz="1800">
-                <a:solidFill>
-                  <a:srgbClr val="4070A0"/>
-                </a:solidFill>
-                <a:latin typeface="Courier"/>
-              </a:rPr>
-              <a:t>  </a:t>
-            </a:r>
-            <a:r>
-              <a:rPr sz="1800" b="1">
-                <a:solidFill>
-                  <a:srgbClr val="007020"/>
-                </a:solidFill>
-                <a:latin typeface="Courier"/>
-              </a:rPr>
-              <a:t>group_by</a:t>
-            </a:r>
-            <a:r>
-              <a:rPr sz="1800">
-                <a:latin typeface="Courier"/>
-              </a:rPr>
-              <a:t>(sex) </a:t>
-            </a:r>
-            <a:r>
-              <a:rPr sz="1800">
-                <a:solidFill>
-                  <a:srgbClr val="666666"/>
-                </a:solidFill>
-                <a:latin typeface="Courier"/>
-              </a:rPr>
-              <a:t>%&gt;%</a:t>
-            </a:r>
-            <a:br/>
-            <a:r>
-              <a:rPr sz="1800">
-                <a:solidFill>
-                  <a:srgbClr val="4070A0"/>
-                </a:solidFill>
-                <a:latin typeface="Courier"/>
-              </a:rPr>
-              <a:t>  </a:t>
-            </a:r>
-            <a:r>
-              <a:rPr sz="1800" b="1">
-                <a:solidFill>
-                  <a:srgbClr val="007020"/>
-                </a:solidFill>
-                <a:latin typeface="Courier"/>
-              </a:rPr>
-              <a:t>summarise</a:t>
-            </a:r>
-            <a:r>
-              <a:rPr sz="1800">
-                <a:latin typeface="Courier"/>
-              </a:rPr>
-              <a:t>(</a:t>
-            </a:r>
-            <a:r>
-              <a:rPr sz="1800">
-                <a:solidFill>
-                  <a:srgbClr val="902000"/>
-                </a:solidFill>
-                <a:latin typeface="Courier"/>
-              </a:rPr>
-              <a:t>mean_urea =</a:t>
-            </a:r>
-            <a:r>
-              <a:rPr sz="1800">
-                <a:latin typeface="Courier"/>
-              </a:rPr>
-              <a:t> </a:t>
-            </a:r>
-            <a:r>
-              <a:rPr sz="1800" b="1">
-                <a:solidFill>
-                  <a:srgbClr val="007020"/>
-                </a:solidFill>
-                <a:latin typeface="Courier"/>
-              </a:rPr>
-              <a:t>mean</a:t>
-            </a:r>
-            <a:r>
-              <a:rPr sz="1800">
-                <a:latin typeface="Courier"/>
-              </a:rPr>
-              <a:t>(urea, </a:t>
-            </a:r>
-            <a:r>
-              <a:rPr sz="1800">
-                <a:solidFill>
-                  <a:srgbClr val="902000"/>
-                </a:solidFill>
-                <a:latin typeface="Courier"/>
-              </a:rPr>
-              <a:t>na.rm=</a:t>
-            </a:r>
-            <a:r>
-              <a:rPr sz="1800">
-                <a:solidFill>
-                  <a:srgbClr val="007020"/>
-                </a:solidFill>
-                <a:latin typeface="Courier"/>
-              </a:rPr>
-              <a:t>TRUE</a:t>
-            </a:r>
-            <a:r>
-              <a:rPr sz="1800">
-                <a:latin typeface="Courier"/>
-              </a:rPr>
-              <a:t>))</a:t>
-            </a:r>
-          </a:p>
-          <a:p>
-            <a:pPr lvl="0" marL="1270000" indent="0">
-              <a:buNone/>
-            </a:pPr>
-            <a:r>
-              <a:rPr sz="1800">
-                <a:latin typeface="Courier"/>
-              </a:rPr>
-              <a:t>## # A tibble: 2 x 2
-##   sex   mean_urea
-##   &lt;chr&gt;     &lt;dbl&gt;
-## 1 F          7.49
-## 2 M          8.82</a:t>
-            </a:r>
-          </a:p>
-          <a:p>
-            <a:pPr lvl="0" marL="0" indent="0">
-              <a:buNone/>
-            </a:pPr>
-            <a:r>
-              <a:rPr/>
-              <a:t>An alternative is to filter out the missing values of urea.</a:t>
+              <a:rPr/>
+              <a:t>Experiment running</a:t>
+            </a:r>
+          </a:p>
+          <a:p>
+            <a:pPr lvl="1"/>
+            <a:r>
+              <a:rPr sz="1800">
+                <a:latin typeface="Courier"/>
+              </a:rPr>
+              <a:t>filter()</a:t>
+            </a:r>
+          </a:p>
+          <a:p>
+            <a:pPr lvl="1"/>
+            <a:r>
+              <a:rPr sz="1800">
+                <a:latin typeface="Courier"/>
+              </a:rPr>
+              <a:t>select()</a:t>
+            </a:r>
+          </a:p>
+          <a:p>
+            <a:pPr lvl="1"/>
+            <a:r>
+              <a:rPr sz="1800">
+                <a:latin typeface="Courier"/>
+              </a:rPr>
+              <a:t>group_by()</a:t>
+            </a:r>
+          </a:p>
+          <a:p>
+            <a:pPr lvl="1"/>
+            <a:r>
+              <a:rPr sz="1800">
+                <a:latin typeface="Courier"/>
+              </a:rPr>
+              <a:t>summarise()</a:t>
             </a:r>
           </a:p>
         </p:txBody>
@@ -5351,39 +5381,39 @@
             </a:pPr>
             <a:r>
               <a:rPr/>
-              <a:t>Take</a:t>
-            </a:r>
-            <a:r>
-              <a:rPr/>
-              <a:t> </a:t>
-            </a:r>
-            <a:r>
-              <a:rPr/>
-              <a:t>a</a:t>
-            </a:r>
-            <a:r>
-              <a:rPr/>
-              <a:t> </a:t>
-            </a:r>
-            <a:r>
-              <a:rPr/>
-              <a:t>break.</a:t>
-            </a:r>
-            <a:r>
-              <a:rPr/>
-              <a:t> </a:t>
-            </a:r>
-            <a:r>
-              <a:rPr/>
-              <a:t>Any</a:t>
-            </a:r>
-            <a:r>
-              <a:rPr/>
-              <a:t> </a:t>
-            </a:r>
-            <a:r>
-              <a:rPr/>
-              <a:t>questions?</a:t>
+              <a:t>Favourite</a:t>
+            </a:r>
+            <a:r>
+              <a:rPr/>
+              <a:t> </a:t>
+            </a:r>
+            <a:r>
+              <a:rPr/>
+              <a:t>data</a:t>
+            </a:r>
+            <a:r>
+              <a:rPr/>
+              <a:t> </a:t>
+            </a:r>
+            <a:r>
+              <a:rPr/>
+              <a:t>tidying</a:t>
+            </a:r>
+            <a:r>
+              <a:rPr/>
+              <a:t> </a:t>
+            </a:r>
+            <a:r>
+              <a:rPr/>
+              <a:t>‘</a:t>
+            </a:r>
+            <a:r>
+              <a:rPr/>
+              <a:t>recipies</a:t>
+            </a:r>
+            <a:r>
+              <a:rPr/>
+              <a:t>’</a:t>
             </a:r>
           </a:p>
         </p:txBody>
@@ -5409,48 +5439,57 @@
           <a:bodyPr/>
           <a:lstStyle/>
           <a:p>
-            <a:pPr lvl="0" marL="0" indent="0">
-              <a:buNone/>
+            <a:pPr lvl="1">
+              <a:buAutoNum type="arabicPeriod"/>
             </a:pPr>
             <a:r>
               <a:rPr/>
-              <a:t>Make sure you are happy running</a:t>
-            </a:r>
-          </a:p>
-          <a:p>
-            <a:pPr lvl="1"/>
-            <a:r>
-              <a:rPr sz="1800">
-                <a:latin typeface="Courier"/>
-              </a:rPr>
-              <a:t>filter()</a:t>
-            </a:r>
-          </a:p>
-          <a:p>
-            <a:pPr lvl="1"/>
-            <a:r>
-              <a:rPr sz="1800">
-                <a:latin typeface="Courier"/>
-              </a:rPr>
-              <a:t>select()</a:t>
-            </a:r>
-          </a:p>
-          <a:p>
-            <a:pPr lvl="1"/>
-            <a:r>
-              <a:rPr sz="1800">
-                <a:latin typeface="Courier"/>
-              </a:rPr>
-              <a:t>group_by()</a:t>
-            </a:r>
-          </a:p>
-          <a:p>
-            <a:pPr lvl="1"/>
-            <a:r>
-              <a:rPr sz="1800">
-                <a:latin typeface="Courier"/>
-              </a:rPr>
-              <a:t>summarise()</a:t>
+              <a:t>Rename a variable</a:t>
+            </a:r>
+          </a:p>
+          <a:p>
+            <a:pPr lvl="1">
+              <a:buAutoNum type="arabicPeriod"/>
+            </a:pPr>
+            <a:r>
+              <a:rPr/>
+              <a:t>Create a new variable</a:t>
+            </a:r>
+          </a:p>
+          <a:p>
+            <a:pPr lvl="1">
+              <a:buAutoNum type="arabicPeriod"/>
+            </a:pPr>
+            <a:r>
+              <a:rPr/>
+              <a:t>Extract numbers</a:t>
+            </a:r>
+          </a:p>
+          <a:p>
+            <a:pPr lvl="1">
+              <a:buAutoNum type="arabicPeriod"/>
+            </a:pPr>
+            <a:r>
+              <a:rPr/>
+              <a:t>Extract strings</a:t>
+            </a:r>
+          </a:p>
+          <a:p>
+            <a:pPr lvl="1">
+              <a:buAutoNum type="arabicPeriod"/>
+            </a:pPr>
+            <a:r>
+              <a:rPr/>
+              <a:t>Parse dates</a:t>
+            </a:r>
+          </a:p>
+          <a:p>
+            <a:pPr lvl="1">
+              <a:buAutoNum type="arabicPeriod"/>
+            </a:pPr>
+            <a:r>
+              <a:rPr/>
+              <a:t>Delete columns</a:t>
             </a:r>
           </a:p>
         </p:txBody>
@@ -5503,39 +5542,31 @@
             </a:pPr>
             <a:r>
               <a:rPr/>
-              <a:t>Favourite</a:t>
-            </a:r>
-            <a:r>
-              <a:rPr/>
-              <a:t> </a:t>
-            </a:r>
-            <a:r>
-              <a:rPr/>
-              <a:t>data</a:t>
-            </a:r>
-            <a:r>
-              <a:rPr/>
-              <a:t> </a:t>
-            </a:r>
-            <a:r>
-              <a:rPr/>
-              <a:t>tidying</a:t>
-            </a:r>
-            <a:r>
-              <a:rPr/>
-              <a:t> </a:t>
-            </a:r>
-            <a:r>
-              <a:rPr/>
-              <a:t>‘</a:t>
-            </a:r>
-            <a:r>
-              <a:rPr/>
-              <a:t>recipies</a:t>
-            </a:r>
-            <a:r>
-              <a:rPr/>
-              <a:t>’</a:t>
+              <a:t>1.</a:t>
+            </a:r>
+            <a:r>
+              <a:rPr/>
+              <a:t> </a:t>
+            </a:r>
+            <a:r>
+              <a:rPr/>
+              <a:t>Rename</a:t>
+            </a:r>
+            <a:r>
+              <a:rPr/>
+              <a:t> </a:t>
+            </a:r>
+            <a:r>
+              <a:rPr/>
+              <a:t>a</a:t>
+            </a:r>
+            <a:r>
+              <a:rPr/>
+              <a:t> </a:t>
+            </a:r>
+            <a:r>
+              <a:rPr/>
+              <a:t>variable</a:t>
             </a:r>
           </a:p>
         </p:txBody>
@@ -5561,57 +5592,117 @@
           <a:bodyPr/>
           <a:lstStyle/>
           <a:p>
-            <a:pPr lvl="1">
-              <a:buAutoNum type="arabicPeriod"/>
+            <a:pPr lvl="0" marL="1270000" indent="0">
+              <a:buNone/>
             </a:pPr>
             <a:r>
-              <a:rPr/>
-              <a:t>Rename a variable</a:t>
-            </a:r>
-          </a:p>
-          <a:p>
-            <a:pPr lvl="1">
-              <a:buAutoNum type="arabicPeriod"/>
+              <a:rPr sz="1800" b="1">
+                <a:solidFill>
+                  <a:srgbClr val="007020"/>
+                </a:solidFill>
+                <a:latin typeface="Courier"/>
+              </a:rPr>
+              <a:t>names</a:t>
+            </a:r>
+            <a:r>
+              <a:rPr sz="1800">
+                <a:latin typeface="Courier"/>
+              </a:rPr>
+              <a:t>(cchic)</a:t>
+            </a:r>
+          </a:p>
+          <a:p>
+            <a:pPr lvl="0" marL="0" indent="0">
+              <a:buNone/>
             </a:pPr>
             <a:r>
               <a:rPr/>
-              <a:t>Create a new variable</a:t>
-            </a:r>
-          </a:p>
-          <a:p>
-            <a:pPr lvl="1">
-              <a:buAutoNum type="arabicPeriod"/>
+              <a:t>The variable called </a:t>
+            </a:r>
+            <a:r>
+              <a:rPr sz="1800">
+                <a:latin typeface="Courier"/>
+              </a:rPr>
+              <a:t>na</a:t>
+            </a:r>
+            <a:r>
+              <a:rPr/>
+              <a:t> is very confusing</a:t>
+            </a:r>
+          </a:p>
+          <a:p>
+            <a:pPr lvl="0" marL="1270000" indent="0">
+              <a:buNone/>
             </a:pPr>
             <a:r>
-              <a:rPr/>
-              <a:t>Extract numbers</a:t>
-            </a:r>
-          </a:p>
-          <a:p>
-            <a:pPr lvl="1">
-              <a:buAutoNum type="arabicPeriod"/>
-            </a:pPr>
-            <a:r>
-              <a:rPr/>
-              <a:t>Extract strings</a:t>
-            </a:r>
-          </a:p>
-          <a:p>
-            <a:pPr lvl="1">
-              <a:buAutoNum type="arabicPeriod"/>
-            </a:pPr>
-            <a:r>
-              <a:rPr/>
-              <a:t>Parse dates</a:t>
-            </a:r>
-          </a:p>
-          <a:p>
-            <a:pPr lvl="1">
-              <a:buAutoNum type="arabicPeriod"/>
-            </a:pPr>
-            <a:r>
-              <a:rPr/>
-              <a:t>Delete columns</a:t>
+              <a:rPr sz="1800">
+                <a:latin typeface="Courier"/>
+              </a:rPr>
+              <a:t>cchic &lt;-</a:t>
+            </a:r>
+            <a:r>
+              <a:rPr sz="1800">
+                <a:solidFill>
+                  <a:srgbClr val="4070A0"/>
+                </a:solidFill>
+                <a:latin typeface="Courier"/>
+              </a:rPr>
+              <a:t> </a:t>
+            </a:r>
+            <a:r>
+              <a:rPr sz="1800">
+                <a:latin typeface="Courier"/>
+              </a:rPr>
+              <a:t>cchic </a:t>
+            </a:r>
+            <a:r>
+              <a:rPr sz="1800">
+                <a:solidFill>
+                  <a:srgbClr val="666666"/>
+                </a:solidFill>
+                <a:latin typeface="Courier"/>
+              </a:rPr>
+              <a:t>%&gt;%</a:t>
+            </a:r>
+            <a:br/>
+            <a:r>
+              <a:rPr sz="1800">
+                <a:solidFill>
+                  <a:srgbClr val="4070A0"/>
+                </a:solidFill>
+                <a:latin typeface="Courier"/>
+              </a:rPr>
+              <a:t>  </a:t>
+            </a:r>
+            <a:r>
+              <a:rPr sz="1800" b="1">
+                <a:solidFill>
+                  <a:srgbClr val="007020"/>
+                </a:solidFill>
+                <a:latin typeface="Courier"/>
+              </a:rPr>
+              <a:t>rename</a:t>
+            </a:r>
+            <a:r>
+              <a:rPr sz="1800">
+                <a:latin typeface="Courier"/>
+              </a:rPr>
+              <a:t>(</a:t>
+            </a:r>
+            <a:r>
+              <a:rPr sz="1800">
+                <a:solidFill>
+                  <a:srgbClr val="902000"/>
+                </a:solidFill>
+                <a:latin typeface="Courier"/>
+              </a:rPr>
+              <a:t>sodium =</a:t>
+            </a:r>
+            <a:r>
+              <a:rPr sz="1800">
+                <a:latin typeface="Courier"/>
+              </a:rPr>
+              <a:t> na)</a:t>
             </a:r>
           </a:p>
         </p:txBody>
@@ -5664,15 +5755,15 @@
             </a:pPr>
             <a:r>
               <a:rPr/>
-              <a:t>1.</a:t>
-            </a:r>
-            <a:r>
-              <a:rPr/>
-              <a:t> </a:t>
-            </a:r>
-            <a:r>
-              <a:rPr/>
-              <a:t>Rename</a:t>
+              <a:t>2.</a:t>
+            </a:r>
+            <a:r>
+              <a:rPr/>
+              <a:t> </a:t>
+            </a:r>
+            <a:r>
+              <a:rPr/>
+              <a:t>Create</a:t>
             </a:r>
             <a:r>
               <a:rPr/>
@@ -5681,6 +5772,14 @@
             <a:r>
               <a:rPr/>
               <a:t>a</a:t>
+            </a:r>
+            <a:r>
+              <a:rPr/>
+              <a:t> </a:t>
+            </a:r>
+            <a:r>
+              <a:rPr/>
+              <a:t>new</a:t>
             </a:r>
             <a:r>
               <a:rPr/>
@@ -5714,53 +5813,106 @@
           <a:bodyPr/>
           <a:lstStyle/>
           <a:p>
+            <a:pPr lvl="0" marL="0" indent="0">
+              <a:buNone/>
+            </a:pPr>
+            <a:r>
+              <a:rPr/>
+              <a:t>Use the </a:t>
+            </a:r>
+            <a:r>
+              <a:rPr sz="1800">
+                <a:latin typeface="Courier"/>
+              </a:rPr>
+              <a:t>mutate</a:t>
+            </a:r>
+            <a:r>
+              <a:rPr/>
+              <a:t> function</a:t>
+            </a:r>
+          </a:p>
+          <a:p>
             <a:pPr lvl="0" marL="1270000" indent="0">
               <a:buNone/>
             </a:pPr>
             <a:r>
+              <a:rPr sz="1800">
+                <a:latin typeface="Courier"/>
+              </a:rPr>
+              <a:t>cchic &lt;-</a:t>
+            </a:r>
+            <a:r>
+              <a:rPr sz="1800">
+                <a:solidFill>
+                  <a:srgbClr val="4070A0"/>
+                </a:solidFill>
+                <a:latin typeface="Courier"/>
+              </a:rPr>
+              <a:t> </a:t>
+            </a:r>
+            <a:r>
+              <a:rPr sz="1800">
+                <a:latin typeface="Courier"/>
+              </a:rPr>
+              <a:t>cchic </a:t>
+            </a:r>
+            <a:r>
+              <a:rPr sz="1800">
+                <a:solidFill>
+                  <a:srgbClr val="666666"/>
+                </a:solidFill>
+                <a:latin typeface="Courier"/>
+              </a:rPr>
+              <a:t>%&gt;%</a:t>
+            </a:r>
+            <a:br/>
+            <a:r>
+              <a:rPr sz="1800">
+                <a:solidFill>
+                  <a:srgbClr val="4070A0"/>
+                </a:solidFill>
+                <a:latin typeface="Courier"/>
+              </a:rPr>
+              <a:t>  </a:t>
+            </a:r>
+            <a:r>
               <a:rPr sz="1800" b="1">
                 <a:solidFill>
                   <a:srgbClr val="007020"/>
                 </a:solidFill>
                 <a:latin typeface="Courier"/>
               </a:rPr>
-              <a:t>names</a:t>
-            </a:r>
-            <a:r>
-              <a:rPr sz="1800">
-                <a:latin typeface="Courier"/>
-              </a:rPr>
-              <a:t>(cchic)</a:t>
-            </a:r>
-          </a:p>
-          <a:p>
-            <a:pPr lvl="0" marL="0" indent="0">
-              <a:buNone/>
-            </a:pPr>
-            <a:r>
-              <a:rPr/>
-              <a:t>The variable called </a:t>
-            </a:r>
-            <a:r>
-              <a:rPr sz="1800">
-                <a:latin typeface="Courier"/>
-              </a:rPr>
-              <a:t>na</a:t>
-            </a:r>
-            <a:r>
-              <a:rPr/>
-              <a:t> is very confusing</a:t>
-            </a:r>
-          </a:p>
-          <a:p>
-            <a:pPr lvl="0" marL="1270000" indent="0">
-              <a:buNone/>
-            </a:pPr>
-            <a:r>
-              <a:rPr sz="1800">
-                <a:latin typeface="Courier"/>
-              </a:rPr>
-              <a:t>cchic &lt;-</a:t>
+              <a:t>mutate</a:t>
+            </a:r>
+            <a:r>
+              <a:rPr sz="1800">
+                <a:latin typeface="Courier"/>
+              </a:rPr>
+              <a:t>(</a:t>
+            </a:r>
+            <a:r>
+              <a:rPr sz="1800">
+                <a:solidFill>
+                  <a:srgbClr val="902000"/>
+                </a:solidFill>
+                <a:latin typeface="Courier"/>
+              </a:rPr>
+              <a:t>bmi =</a:t>
+            </a:r>
+            <a:r>
+              <a:rPr sz="1800">
+                <a:latin typeface="Courier"/>
+              </a:rPr>
+              <a:t> (weight </a:t>
+            </a:r>
+            <a:r>
+              <a:rPr sz="1800">
+                <a:solidFill>
+                  <a:srgbClr val="666666"/>
+                </a:solidFill>
+                <a:latin typeface="Courier"/>
+              </a:rPr>
+              <a:t>/</a:t>
             </a:r>
             <a:r>
               <a:rPr sz="1800">
@@ -5775,7 +5927,7 @@
               <a:rPr sz="1800">
                 <a:latin typeface="Courier"/>
               </a:rPr>
-              <a:t>cchic </a:t>
+              <a:t>(height </a:t>
             </a:r>
             <a:r>
               <a:rPr sz="1800">
@@ -5784,9 +5936,8 @@
                 </a:solidFill>
                 <a:latin typeface="Courier"/>
               </a:rPr>
-              <a:t>%&gt;%</a:t>
-            </a:r>
-            <a:br/>
+              <a:t>/</a:t>
+            </a:r>
             <a:r>
               <a:rPr sz="1800">
                 <a:solidFill>
@@ -5794,37 +5945,46 @@
                 </a:solidFill>
                 <a:latin typeface="Courier"/>
               </a:rPr>
-              <a:t>  </a:t>
-            </a:r>
-            <a:r>
-              <a:rPr sz="1800" b="1">
-                <a:solidFill>
-                  <a:srgbClr val="007020"/>
-                </a:solidFill>
-                <a:latin typeface="Courier"/>
-              </a:rPr>
-              <a:t>rename</a:t>
-            </a:r>
-            <a:r>
-              <a:rPr sz="1800">
-                <a:latin typeface="Courier"/>
-              </a:rPr>
-              <a:t>(</a:t>
-            </a:r>
-            <a:r>
-              <a:rPr sz="1800">
-                <a:solidFill>
-                  <a:srgbClr val="902000"/>
-                </a:solidFill>
-                <a:latin typeface="Courier"/>
-              </a:rPr>
-              <a:t>sodium =</a:t>
-            </a:r>
-            <a:r>
-              <a:rPr sz="1800">
-                <a:latin typeface="Courier"/>
-              </a:rPr>
-              <a:t> na)</a:t>
+              <a:t> </a:t>
+            </a:r>
+            <a:r>
+              <a:rPr sz="1800">
+                <a:solidFill>
+                  <a:srgbClr val="40A070"/>
+                </a:solidFill>
+                <a:latin typeface="Courier"/>
+              </a:rPr>
+              <a:t>100</a:t>
+            </a:r>
+            <a:r>
+              <a:rPr sz="1800">
+                <a:latin typeface="Courier"/>
+              </a:rPr>
+              <a:t>)</a:t>
+            </a:r>
+            <a:r>
+              <a:rPr sz="1800">
+                <a:solidFill>
+                  <a:srgbClr val="666666"/>
+                </a:solidFill>
+                <a:latin typeface="Courier"/>
+              </a:rPr>
+              <a:t>^</a:t>
+            </a:r>
+            <a:r>
+              <a:rPr sz="1800">
+                <a:solidFill>
+                  <a:srgbClr val="40A070"/>
+                </a:solidFill>
+                <a:latin typeface="Courier"/>
+              </a:rPr>
+              <a:t>2</a:t>
+            </a:r>
+            <a:r>
+              <a:rPr sz="1800">
+                <a:latin typeface="Courier"/>
+              </a:rPr>
+              <a:t>))</a:t>
             </a:r>
           </a:p>
         </p:txBody>
@@ -5877,39 +6037,23 @@
             </a:pPr>
             <a:r>
               <a:rPr/>
-              <a:t>2.</a:t>
-            </a:r>
-            <a:r>
-              <a:rPr/>
-              <a:t> </a:t>
-            </a:r>
-            <a:r>
-              <a:rPr/>
-              <a:t>Create</a:t>
-            </a:r>
-            <a:r>
-              <a:rPr/>
-              <a:t> </a:t>
-            </a:r>
-            <a:r>
-              <a:rPr/>
-              <a:t>a</a:t>
-            </a:r>
-            <a:r>
-              <a:rPr/>
-              <a:t> </a:t>
-            </a:r>
-            <a:r>
-              <a:rPr/>
-              <a:t>new</a:t>
-            </a:r>
-            <a:r>
-              <a:rPr/>
-              <a:t> </a:t>
-            </a:r>
-            <a:r>
-              <a:rPr/>
-              <a:t>variable</a:t>
+              <a:t>3.</a:t>
+            </a:r>
+            <a:r>
+              <a:rPr/>
+              <a:t> </a:t>
+            </a:r>
+            <a:r>
+              <a:rPr/>
+              <a:t>Extract</a:t>
+            </a:r>
+            <a:r>
+              <a:rPr/>
+              <a:t> </a:t>
+            </a:r>
+            <a:r>
+              <a:rPr/>
+              <a:t>numbers</a:t>
             </a:r>
           </a:p>
         </p:txBody>
@@ -5940,17 +6084,17 @@
             </a:pPr>
             <a:r>
               <a:rPr/>
-              <a:t>Use the </a:t>
-            </a:r>
-            <a:r>
-              <a:rPr sz="1800">
-                <a:latin typeface="Courier"/>
-              </a:rPr>
-              <a:t>mutate</a:t>
-            </a:r>
-            <a:r>
-              <a:rPr/>
-              <a:t> function</a:t>
+              <a:t>Parse numbers from text using the </a:t>
+            </a:r>
+            <a:r>
+              <a:rPr sz="1800">
+                <a:latin typeface="Courier"/>
+              </a:rPr>
+              <a:t>readr</a:t>
+            </a:r>
+            <a:r>
+              <a:rPr/>
+              <a:t> package.</a:t>
             </a:r>
           </a:p>
           <a:p>
@@ -5958,10 +6102,39 @@
               <a:buNone/>
             </a:pPr>
             <a:r>
-              <a:rPr sz="1800">
-                <a:latin typeface="Courier"/>
-              </a:rPr>
-              <a:t>cchic &lt;-</a:t>
+              <a:rPr sz="1800" b="1">
+                <a:solidFill>
+                  <a:srgbClr val="007020"/>
+                </a:solidFill>
+                <a:latin typeface="Courier"/>
+              </a:rPr>
+              <a:t>library</a:t>
+            </a:r>
+            <a:r>
+              <a:rPr sz="1800">
+                <a:latin typeface="Courier"/>
+              </a:rPr>
+              <a:t>(readr)</a:t>
+            </a:r>
+          </a:p>
+          <a:p>
+            <a:pPr lvl="0" marL="0" indent="0">
+              <a:buNone/>
+            </a:pPr>
+            <a:r>
+              <a:rPr/>
+              <a:t>Create a vector where the unit has been included as part of the value. You can’t do maths on this vector.</a:t>
+            </a:r>
+          </a:p>
+          <a:p>
+            <a:pPr lvl="0" marL="1270000" indent="0">
+              <a:buNone/>
+            </a:pPr>
+            <a:r>
+              <a:rPr sz="1800">
+                <a:latin typeface="Courier"/>
+              </a:rPr>
+              <a:t>weight &lt;-</a:t>
             </a:r>
             <a:r>
               <a:rPr sz="1800">
@@ -5973,21 +6146,103 @@
               <a:t> </a:t>
             </a:r>
             <a:r>
-              <a:rPr sz="1800">
-                <a:latin typeface="Courier"/>
-              </a:rPr>
-              <a:t>cchic </a:t>
-            </a:r>
-            <a:r>
-              <a:rPr sz="1800">
-                <a:solidFill>
-                  <a:srgbClr val="666666"/>
-                </a:solidFill>
-                <a:latin typeface="Courier"/>
-              </a:rPr>
-              <a:t>%&gt;%</a:t>
+              <a:rPr sz="1800" b="1">
+                <a:solidFill>
+                  <a:srgbClr val="007020"/>
+                </a:solidFill>
+                <a:latin typeface="Courier"/>
+              </a:rPr>
+              <a:t>c</a:t>
+            </a:r>
+            <a:r>
+              <a:rPr sz="1800">
+                <a:latin typeface="Courier"/>
+              </a:rPr>
+              <a:t>(</a:t>
+            </a:r>
+            <a:r>
+              <a:rPr sz="1800">
+                <a:solidFill>
+                  <a:srgbClr val="4070A0"/>
+                </a:solidFill>
+                <a:latin typeface="Courier"/>
+              </a:rPr>
+              <a:t>"70kg"</a:t>
+            </a:r>
+            <a:r>
+              <a:rPr sz="1800">
+                <a:latin typeface="Courier"/>
+              </a:rPr>
+              <a:t>, </a:t>
+            </a:r>
+            <a:r>
+              <a:rPr sz="1800">
+                <a:solidFill>
+                  <a:srgbClr val="4070A0"/>
+                </a:solidFill>
+                <a:latin typeface="Courier"/>
+              </a:rPr>
+              <a:t>"80 kg"</a:t>
+            </a:r>
+            <a:r>
+              <a:rPr sz="1800">
+                <a:latin typeface="Courier"/>
+              </a:rPr>
+              <a:t>, </a:t>
+            </a:r>
+            <a:r>
+              <a:rPr sz="1800">
+                <a:solidFill>
+                  <a:srgbClr val="4070A0"/>
+                </a:solidFill>
+                <a:latin typeface="Courier"/>
+              </a:rPr>
+              <a:t>"82 kg"</a:t>
+            </a:r>
+            <a:r>
+              <a:rPr sz="1800">
+                <a:latin typeface="Courier"/>
+              </a:rPr>
+              <a:t>, </a:t>
+            </a:r>
+            <a:r>
+              <a:rPr sz="1800">
+                <a:solidFill>
+                  <a:srgbClr val="4070A0"/>
+                </a:solidFill>
+                <a:latin typeface="Courier"/>
+              </a:rPr>
+              <a:t>"74"</a:t>
+            </a:r>
+            <a:r>
+              <a:rPr sz="1800">
+                <a:latin typeface="Courier"/>
+              </a:rPr>
+              <a:t>, </a:t>
+            </a:r>
+            <a:r>
+              <a:rPr sz="1800">
+                <a:solidFill>
+                  <a:srgbClr val="4070A0"/>
+                </a:solidFill>
+                <a:latin typeface="Courier"/>
+              </a:rPr>
+              <a:t>"39"</a:t>
+            </a:r>
+            <a:r>
+              <a:rPr sz="1800">
+                <a:latin typeface="Courier"/>
+              </a:rPr>
+              <a:t>)</a:t>
             </a:r>
             <a:br/>
+            <a:br/>
+            <a:r>
+              <a:rPr sz="1800">
+                <a:latin typeface="Courier"/>
+              </a:rPr>
+              <a:t>weight &lt;-</a:t>
+            </a:r>
             <a:r>
               <a:rPr sz="1800">
                 <a:solidFill>
@@ -5995,7 +6250,7 @@
                 </a:solidFill>
                 <a:latin typeface="Courier"/>
               </a:rPr>
-              <a:t>  </a:t>
+              <a:t> </a:t>
             </a:r>
             <a:r>
               <a:rPr sz="1800" b="1">
@@ -6004,109 +6259,40 @@
                 </a:solidFill>
                 <a:latin typeface="Courier"/>
               </a:rPr>
-              <a:t>mutate</a:t>
-            </a:r>
-            <a:r>
-              <a:rPr sz="1800">
-                <a:latin typeface="Courier"/>
-              </a:rPr>
-              <a:t>(</a:t>
-            </a:r>
-            <a:r>
-              <a:rPr sz="1800">
-                <a:solidFill>
-                  <a:srgbClr val="902000"/>
-                </a:solidFill>
-                <a:latin typeface="Courier"/>
-              </a:rPr>
-              <a:t>bmi =</a:t>
-            </a:r>
-            <a:r>
-              <a:rPr sz="1800">
-                <a:latin typeface="Courier"/>
-              </a:rPr>
-              <a:t> (weight </a:t>
-            </a:r>
-            <a:r>
-              <a:rPr sz="1800">
-                <a:solidFill>
-                  <a:srgbClr val="666666"/>
-                </a:solidFill>
-                <a:latin typeface="Courier"/>
-              </a:rPr>
-              <a:t>/</a:t>
-            </a:r>
-            <a:r>
-              <a:rPr sz="1800">
-                <a:solidFill>
-                  <a:srgbClr val="4070A0"/>
-                </a:solidFill>
-                <a:latin typeface="Courier"/>
-              </a:rPr>
-              <a:t> </a:t>
-            </a:r>
-            <a:r>
-              <a:rPr sz="1800">
-                <a:latin typeface="Courier"/>
-              </a:rPr>
-              <a:t>(height </a:t>
-            </a:r>
-            <a:r>
-              <a:rPr sz="1800">
-                <a:solidFill>
-                  <a:srgbClr val="666666"/>
-                </a:solidFill>
-                <a:latin typeface="Courier"/>
-              </a:rPr>
-              <a:t>/</a:t>
-            </a:r>
-            <a:r>
-              <a:rPr sz="1800">
-                <a:solidFill>
-                  <a:srgbClr val="4070A0"/>
-                </a:solidFill>
-                <a:latin typeface="Courier"/>
-              </a:rPr>
-              <a:t> </a:t>
-            </a:r>
-            <a:r>
-              <a:rPr sz="1800">
-                <a:solidFill>
-                  <a:srgbClr val="40A070"/>
-                </a:solidFill>
-                <a:latin typeface="Courier"/>
-              </a:rPr>
-              <a:t>100</a:t>
-            </a:r>
-            <a:r>
-              <a:rPr sz="1800">
-                <a:latin typeface="Courier"/>
-              </a:rPr>
-              <a:t>)</a:t>
-            </a:r>
-            <a:r>
-              <a:rPr sz="1800">
-                <a:solidFill>
-                  <a:srgbClr val="666666"/>
-                </a:solidFill>
-                <a:latin typeface="Courier"/>
-              </a:rPr>
-              <a:t>^</a:t>
-            </a:r>
-            <a:r>
-              <a:rPr sz="1800">
-                <a:solidFill>
-                  <a:srgbClr val="40A070"/>
-                </a:solidFill>
-                <a:latin typeface="Courier"/>
-              </a:rPr>
-              <a:t>2</a:t>
-            </a:r>
-            <a:r>
-              <a:rPr sz="1800">
-                <a:latin typeface="Courier"/>
-              </a:rPr>
-              <a:t>))</a:t>
+              <a:t>parse_number</a:t>
+            </a:r>
+            <a:r>
+              <a:rPr sz="1800">
+                <a:latin typeface="Courier"/>
+              </a:rPr>
+              <a:t>(weight)</a:t>
+            </a:r>
+            <a:br/>
+            <a:r>
+              <a:rPr sz="1800" b="1">
+                <a:solidFill>
+                  <a:srgbClr val="007020"/>
+                </a:solidFill>
+                <a:latin typeface="Courier"/>
+              </a:rPr>
+              <a:t>str</a:t>
+            </a:r>
+            <a:r>
+              <a:rPr sz="1800">
+                <a:latin typeface="Courier"/>
+              </a:rPr>
+              <a:t>(weight)</a:t>
+            </a:r>
+          </a:p>
+          <a:p>
+            <a:pPr lvl="0" marL="1270000" indent="0">
+              <a:buNone/>
+            </a:pPr>
+            <a:r>
+              <a:rPr sz="1800">
+                <a:latin typeface="Courier"/>
+              </a:rPr>
+              <a:t>##  num [1:5] 70 80 82 74 39</a:t>
             </a:r>
           </a:p>
         </p:txBody>
@@ -6159,23 +6345,23 @@
             </a:pPr>
             <a:r>
               <a:rPr/>
-              <a:t>3.</a:t>
-            </a:r>
-            <a:r>
-              <a:rPr/>
-              <a:t> </a:t>
-            </a:r>
-            <a:r>
-              <a:rPr/>
-              <a:t>Extract</a:t>
-            </a:r>
-            <a:r>
-              <a:rPr/>
-              <a:t> </a:t>
-            </a:r>
-            <a:r>
-              <a:rPr/>
-              <a:t>numbers</a:t>
+              <a:t>4.</a:t>
+            </a:r>
+            <a:r>
+              <a:rPr/>
+              <a:t> </a:t>
+            </a:r>
+            <a:r>
+              <a:rPr/>
+              <a:t>Manipulate</a:t>
+            </a:r>
+            <a:r>
+              <a:rPr/>
+              <a:t> </a:t>
+            </a:r>
+            <a:r>
+              <a:rPr/>
+              <a:t>strings</a:t>
             </a:r>
           </a:p>
         </p:txBody>
@@ -6201,22 +6387,142 @@
           <a:bodyPr/>
           <a:lstStyle/>
           <a:p>
+            <a:pPr lvl="0" marL="1270000" indent="0">
+              <a:buNone/>
+            </a:pPr>
+            <a:r>
+              <a:rPr sz="1800" b="1">
+                <a:solidFill>
+                  <a:srgbClr val="007020"/>
+                </a:solidFill>
+                <a:latin typeface="Courier"/>
+              </a:rPr>
+              <a:t>library</a:t>
+            </a:r>
+            <a:r>
+              <a:rPr sz="1800">
+                <a:latin typeface="Courier"/>
+              </a:rPr>
+              <a:t>(stringr)</a:t>
+            </a:r>
+            <a:br/>
+            <a:r>
+              <a:rPr sz="1800">
+                <a:latin typeface="Courier"/>
+              </a:rPr>
+              <a:t>test_gender &lt;-</a:t>
+            </a:r>
+            <a:r>
+              <a:rPr sz="1800">
+                <a:solidFill>
+                  <a:srgbClr val="4070A0"/>
+                </a:solidFill>
+                <a:latin typeface="Courier"/>
+              </a:rPr>
+              <a:t> </a:t>
+            </a:r>
+            <a:r>
+              <a:rPr sz="1800" b="1">
+                <a:solidFill>
+                  <a:srgbClr val="007020"/>
+                </a:solidFill>
+                <a:latin typeface="Courier"/>
+              </a:rPr>
+              <a:t>c</a:t>
+            </a:r>
+            <a:r>
+              <a:rPr sz="1800">
+                <a:latin typeface="Courier"/>
+              </a:rPr>
+              <a:t>(</a:t>
+            </a:r>
+            <a:r>
+              <a:rPr sz="1800">
+                <a:solidFill>
+                  <a:srgbClr val="4070A0"/>
+                </a:solidFill>
+                <a:latin typeface="Courier"/>
+              </a:rPr>
+              <a:t>"f"</a:t>
+            </a:r>
+            <a:r>
+              <a:rPr sz="1800">
+                <a:latin typeface="Courier"/>
+              </a:rPr>
+              <a:t>, </a:t>
+            </a:r>
+            <a:r>
+              <a:rPr sz="1800">
+                <a:solidFill>
+                  <a:srgbClr val="4070A0"/>
+                </a:solidFill>
+                <a:latin typeface="Courier"/>
+              </a:rPr>
+              <a:t>"F"</a:t>
+            </a:r>
+            <a:r>
+              <a:rPr sz="1800">
+                <a:latin typeface="Courier"/>
+              </a:rPr>
+              <a:t>, </a:t>
+            </a:r>
+            <a:r>
+              <a:rPr sz="1800">
+                <a:solidFill>
+                  <a:srgbClr val="4070A0"/>
+                </a:solidFill>
+                <a:latin typeface="Courier"/>
+              </a:rPr>
+              <a:t>"M"</a:t>
+            </a:r>
+            <a:r>
+              <a:rPr sz="1800">
+                <a:latin typeface="Courier"/>
+              </a:rPr>
+              <a:t>, </a:t>
+            </a:r>
+            <a:r>
+              <a:rPr sz="1800">
+                <a:solidFill>
+                  <a:srgbClr val="4070A0"/>
+                </a:solidFill>
+                <a:latin typeface="Courier"/>
+              </a:rPr>
+              <a:t>"f"</a:t>
+            </a:r>
+            <a:r>
+              <a:rPr sz="1800">
+                <a:latin typeface="Courier"/>
+              </a:rPr>
+              <a:t>)</a:t>
+            </a:r>
+          </a:p>
+          <a:p>
             <a:pPr lvl="0" marL="0" indent="0">
               <a:buNone/>
             </a:pPr>
             <a:r>
               <a:rPr/>
-              <a:t>Parse numbers from text using the </a:t>
-            </a:r>
-            <a:r>
-              <a:rPr sz="1800">
-                <a:latin typeface="Courier"/>
-              </a:rPr>
-              <a:t>readr</a:t>
-            </a:r>
-            <a:r>
-              <a:rPr/>
-              <a:t> package.</a:t>
+              <a:t>Notice that </a:t>
+            </a:r>
+            <a:r>
+              <a:rPr sz="1800">
+                <a:latin typeface="Courier"/>
+              </a:rPr>
+              <a:t>female</a:t>
+            </a:r>
+            <a:r>
+              <a:rPr/>
+              <a:t> is coded in 2 different ways</a:t>
+            </a:r>
+          </a:p>
+          <a:p>
+            <a:pPr lvl="0" marL="0" indent="0">
+              <a:buNone/>
+            </a:pPr>
+            <a:r>
+              <a:rPr/>
+              <a:t>We can change all of the letters to uppercase.</a:t>
             </a:r>
           </a:p>
           <a:p>
@@ -6224,19 +6530,52 @@
               <a:buNone/>
             </a:pPr>
             <a:r>
+              <a:rPr sz="1800">
+                <a:latin typeface="Courier"/>
+              </a:rPr>
+              <a:t>test_gender &lt;-</a:t>
+            </a:r>
+            <a:r>
+              <a:rPr sz="1800">
+                <a:solidFill>
+                  <a:srgbClr val="4070A0"/>
+                </a:solidFill>
+                <a:latin typeface="Courier"/>
+              </a:rPr>
+              <a:t> </a:t>
+            </a:r>
+            <a:r>
               <a:rPr sz="1800" b="1">
                 <a:solidFill>
                   <a:srgbClr val="007020"/>
                 </a:solidFill>
                 <a:latin typeface="Courier"/>
               </a:rPr>
-              <a:t>library</a:t>
-            </a:r>
-            <a:r>
-              <a:rPr sz="1800">
-                <a:latin typeface="Courier"/>
-              </a:rPr>
-              <a:t>(readr)</a:t>
+              <a:t>str_to_upper</a:t>
+            </a:r>
+            <a:r>
+              <a:rPr sz="1800">
+                <a:latin typeface="Courier"/>
+              </a:rPr>
+              <a:t>(test_gender)</a:t>
+            </a:r>
+            <a:br/>
+            <a:r>
+              <a:rPr sz="1800">
+                <a:latin typeface="Courier"/>
+              </a:rPr>
+              <a:t>test_gender</a:t>
+            </a:r>
+          </a:p>
+          <a:p>
+            <a:pPr lvl="0" marL="1270000" indent="0">
+              <a:buNone/>
+            </a:pPr>
+            <a:r>
+              <a:rPr sz="1800">
+                <a:latin typeface="Courier"/>
+              </a:rPr>
+              <a:t>## [1] "F" "F" "M" "F"</a:t>
             </a:r>
           </a:p>
           <a:p>
@@ -6245,176 +6584,7 @@
             </a:pPr>
             <a:r>
               <a:rPr/>
-              <a:t>Create a vector where the unit has been included as part of the value. You can’t do maths on this vector.</a:t>
-            </a:r>
-          </a:p>
-          <a:p>
-            <a:pPr lvl="0" marL="1270000" indent="0">
-              <a:buNone/>
-            </a:pPr>
-            <a:r>
-              <a:rPr sz="1800">
-                <a:latin typeface="Courier"/>
-              </a:rPr>
-              <a:t>weight &lt;-</a:t>
-            </a:r>
-            <a:r>
-              <a:rPr sz="1800">
-                <a:solidFill>
-                  <a:srgbClr val="4070A0"/>
-                </a:solidFill>
-                <a:latin typeface="Courier"/>
-              </a:rPr>
-              <a:t> </a:t>
-            </a:r>
-            <a:r>
-              <a:rPr sz="1800" b="1">
-                <a:solidFill>
-                  <a:srgbClr val="007020"/>
-                </a:solidFill>
-                <a:latin typeface="Courier"/>
-              </a:rPr>
-              <a:t>c</a:t>
-            </a:r>
-            <a:r>
-              <a:rPr sz="1800">
-                <a:latin typeface="Courier"/>
-              </a:rPr>
-              <a:t>(</a:t>
-            </a:r>
-            <a:r>
-              <a:rPr sz="1800">
-                <a:solidFill>
-                  <a:srgbClr val="4070A0"/>
-                </a:solidFill>
-                <a:latin typeface="Courier"/>
-              </a:rPr>
-              <a:t>"70kg"</a:t>
-            </a:r>
-            <a:r>
-              <a:rPr sz="1800">
-                <a:latin typeface="Courier"/>
-              </a:rPr>
-              <a:t>, </a:t>
-            </a:r>
-            <a:r>
-              <a:rPr sz="1800">
-                <a:solidFill>
-                  <a:srgbClr val="4070A0"/>
-                </a:solidFill>
-                <a:latin typeface="Courier"/>
-              </a:rPr>
-              <a:t>"80 kg"</a:t>
-            </a:r>
-            <a:r>
-              <a:rPr sz="1800">
-                <a:latin typeface="Courier"/>
-              </a:rPr>
-              <a:t>, </a:t>
-            </a:r>
-            <a:r>
-              <a:rPr sz="1800">
-                <a:solidFill>
-                  <a:srgbClr val="4070A0"/>
-                </a:solidFill>
-                <a:latin typeface="Courier"/>
-              </a:rPr>
-              <a:t>"82 kg"</a:t>
-            </a:r>
-            <a:r>
-              <a:rPr sz="1800">
-                <a:latin typeface="Courier"/>
-              </a:rPr>
-              <a:t>, </a:t>
-            </a:r>
-            <a:r>
-              <a:rPr sz="1800">
-                <a:solidFill>
-                  <a:srgbClr val="4070A0"/>
-                </a:solidFill>
-                <a:latin typeface="Courier"/>
-              </a:rPr>
-              <a:t>"74"</a:t>
-            </a:r>
-            <a:r>
-              <a:rPr sz="1800">
-                <a:latin typeface="Courier"/>
-              </a:rPr>
-              <a:t>, </a:t>
-            </a:r>
-            <a:r>
-              <a:rPr sz="1800">
-                <a:solidFill>
-                  <a:srgbClr val="4070A0"/>
-                </a:solidFill>
-                <a:latin typeface="Courier"/>
-              </a:rPr>
-              <a:t>"39"</a:t>
-            </a:r>
-            <a:r>
-              <a:rPr sz="1800">
-                <a:latin typeface="Courier"/>
-              </a:rPr>
-              <a:t>)</a:t>
-            </a:r>
-            <a:br/>
-            <a:br/>
-            <a:r>
-              <a:rPr sz="1800">
-                <a:latin typeface="Courier"/>
-              </a:rPr>
-              <a:t>weight &lt;-</a:t>
-            </a:r>
-            <a:r>
-              <a:rPr sz="1800">
-                <a:solidFill>
-                  <a:srgbClr val="4070A0"/>
-                </a:solidFill>
-                <a:latin typeface="Courier"/>
-              </a:rPr>
-              <a:t> </a:t>
-            </a:r>
-            <a:r>
-              <a:rPr sz="1800" b="1">
-                <a:solidFill>
-                  <a:srgbClr val="007020"/>
-                </a:solidFill>
-                <a:latin typeface="Courier"/>
-              </a:rPr>
-              <a:t>parse_number</a:t>
-            </a:r>
-            <a:r>
-              <a:rPr sz="1800">
-                <a:latin typeface="Courier"/>
-              </a:rPr>
-              <a:t>(weight)</a:t>
-            </a:r>
-            <a:br/>
-            <a:r>
-              <a:rPr sz="1800" b="1">
-                <a:solidFill>
-                  <a:srgbClr val="007020"/>
-                </a:solidFill>
-                <a:latin typeface="Courier"/>
-              </a:rPr>
-              <a:t>str</a:t>
-            </a:r>
-            <a:r>
-              <a:rPr sz="1800">
-                <a:latin typeface="Courier"/>
-              </a:rPr>
-              <a:t>(weight)</a:t>
-            </a:r>
-          </a:p>
-          <a:p>
-            <a:pPr lvl="0" marL="1270000" indent="0">
-              <a:buNone/>
-            </a:pPr>
-            <a:r>
-              <a:rPr sz="1800">
-                <a:latin typeface="Courier"/>
-              </a:rPr>
-              <a:t>##  num [1:5] 70 80 82 74 39</a:t>
+              <a:t>Look at the manipulate strings cheat sheet for other functions you can use.</a:t>
             </a:r>
           </a:p>
         </p:txBody>
@@ -6594,23 +6764,31 @@
             </a:pPr>
             <a:r>
               <a:rPr/>
-              <a:t>4.</a:t>
-            </a:r>
-            <a:r>
-              <a:rPr/>
-              <a:t> </a:t>
-            </a:r>
-            <a:r>
-              <a:rPr/>
-              <a:t>Manipulate</a:t>
-            </a:r>
-            <a:r>
-              <a:rPr/>
-              <a:t> </a:t>
-            </a:r>
-            <a:r>
-              <a:rPr/>
-              <a:t>strings</a:t>
+              <a:t>5.</a:t>
+            </a:r>
+            <a:r>
+              <a:rPr/>
+              <a:t> </a:t>
+            </a:r>
+            <a:r>
+              <a:rPr/>
+              <a:t>Working</a:t>
+            </a:r>
+            <a:r>
+              <a:rPr/>
+              <a:t> </a:t>
+            </a:r>
+            <a:r>
+              <a:rPr/>
+              <a:t>with</a:t>
+            </a:r>
+            <a:r>
+              <a:rPr/>
+              <a:t> </a:t>
+            </a:r>
+            <a:r>
+              <a:rPr/>
+              <a:t>dates</a:t>
             </a:r>
           </a:p>
         </p:txBody>
@@ -6636,6 +6814,15 @@
           <a:bodyPr/>
           <a:lstStyle/>
           <a:p>
+            <a:pPr lvl="0" marL="0" indent="0">
+              <a:buNone/>
+            </a:pPr>
+            <a:r>
+              <a:rPr/>
+              <a:t>R treats dates as characters unless you tell it not to.</a:t>
+            </a:r>
+          </a:p>
+          <a:p>
             <a:pPr lvl="0" marL="1270000" indent="0">
               <a:buNone/>
             </a:pPr>
@@ -6652,14 +6839,15 @@
               <a:rPr sz="1800">
                 <a:latin typeface="Courier"/>
               </a:rPr>
-              <a:t>(stringr)</a:t>
+              <a:t>(lubridate)</a:t>
             </a:r>
             <a:br/>
-            <a:r>
-              <a:rPr sz="1800">
-                <a:latin typeface="Courier"/>
-              </a:rPr>
-              <a:t>test_gender &lt;-</a:t>
+            <a:br/>
+            <a:r>
+              <a:rPr sz="1800">
+                <a:latin typeface="Courier"/>
+              </a:rPr>
+              <a:t>test_dates &lt;-</a:t>
             </a:r>
             <a:r>
               <a:rPr sz="1800">
@@ -6692,7 +6880,7 @@
                 </a:solidFill>
                 <a:latin typeface="Courier"/>
               </a:rPr>
-              <a:t>"f"</a:t>
+              <a:t>"02-01-12"</a:t>
             </a:r>
             <a:r>
               <a:rPr sz="1800">
@@ -6707,7 +6895,7 @@
                 </a:solidFill>
                 <a:latin typeface="Courier"/>
               </a:rPr>
-              <a:t>"F"</a:t>
+              <a:t>"03-04-15"</a:t>
             </a:r>
             <a:r>
               <a:rPr sz="1800">
@@ -6722,13 +6910,33 @@
                 </a:solidFill>
                 <a:latin typeface="Courier"/>
               </a:rPr>
-              <a:t>"M"</a:t>
-            </a:r>
-            <a:r>
-              <a:rPr sz="1800">
-                <a:latin typeface="Courier"/>
-              </a:rPr>
-              <a:t>, </a:t>
+              <a:t>"15-06-02"</a:t>
+            </a:r>
+            <a:r>
+              <a:rPr sz="1800">
+                <a:latin typeface="Courier"/>
+              </a:rPr>
+              <a:t>)</a:t>
+            </a:r>
+          </a:p>
+          <a:p>
+            <a:pPr lvl="0" marL="0" indent="0">
+              <a:buNone/>
+            </a:pPr>
+            <a:r>
+              <a:rPr/>
+              <a:t>Convert these characters to dates.</a:t>
+            </a:r>
+          </a:p>
+          <a:p>
+            <a:pPr lvl="0" marL="1270000" indent="0">
+              <a:buNone/>
+            </a:pPr>
+            <a:r>
+              <a:rPr sz="1800">
+                <a:latin typeface="Courier"/>
+              </a:rPr>
+              <a:t>test_dates &lt;-</a:t>
             </a:r>
             <a:r>
               <a:rPr sz="1800">
@@ -6737,103 +6945,40 @@
                 </a:solidFill>
                 <a:latin typeface="Courier"/>
               </a:rPr>
-              <a:t>"f"</a:t>
-            </a:r>
-            <a:r>
-              <a:rPr sz="1800">
-                <a:latin typeface="Courier"/>
-              </a:rPr>
-              <a:t>)</a:t>
-            </a:r>
-          </a:p>
-          <a:p>
-            <a:pPr lvl="0" marL="0" indent="0">
+              <a:t> </a:t>
+            </a:r>
+            <a:r>
+              <a:rPr sz="1800" b="1">
+                <a:solidFill>
+                  <a:srgbClr val="007020"/>
+                </a:solidFill>
+                <a:latin typeface="Courier"/>
+              </a:rPr>
+              <a:t>dmy</a:t>
+            </a:r>
+            <a:r>
+              <a:rPr sz="1800">
+                <a:latin typeface="Courier"/>
+              </a:rPr>
+              <a:t>(test_dates)</a:t>
+            </a:r>
+            <a:br/>
+            <a:r>
+              <a:rPr sz="1800">
+                <a:latin typeface="Courier"/>
+              </a:rPr>
+              <a:t>test_dates</a:t>
+            </a:r>
+          </a:p>
+          <a:p>
+            <a:pPr lvl="0" marL="1270000" indent="0">
               <a:buNone/>
             </a:pPr>
             <a:r>
-              <a:rPr/>
-              <a:t>Notice that </a:t>
-            </a:r>
-            <a:r>
-              <a:rPr sz="1800">
-                <a:latin typeface="Courier"/>
-              </a:rPr>
-              <a:t>female</a:t>
-            </a:r>
-            <a:r>
-              <a:rPr/>
-              <a:t> is coded in 2 different ways</a:t>
-            </a:r>
-          </a:p>
-          <a:p>
-            <a:pPr lvl="0" marL="0" indent="0">
-              <a:buNone/>
-            </a:pPr>
-            <a:r>
-              <a:rPr/>
-              <a:t>We can change all of the letters to uppercase.</a:t>
-            </a:r>
-          </a:p>
-          <a:p>
-            <a:pPr lvl="0" marL="1270000" indent="0">
-              <a:buNone/>
-            </a:pPr>
-            <a:r>
-              <a:rPr sz="1800">
-                <a:latin typeface="Courier"/>
-              </a:rPr>
-              <a:t>test_gender &lt;-</a:t>
-            </a:r>
-            <a:r>
-              <a:rPr sz="1800">
-                <a:solidFill>
-                  <a:srgbClr val="4070A0"/>
-                </a:solidFill>
-                <a:latin typeface="Courier"/>
-              </a:rPr>
-              <a:t> </a:t>
-            </a:r>
-            <a:r>
-              <a:rPr sz="1800" b="1">
-                <a:solidFill>
-                  <a:srgbClr val="007020"/>
-                </a:solidFill>
-                <a:latin typeface="Courier"/>
-              </a:rPr>
-              <a:t>str_to_upper</a:t>
-            </a:r>
-            <a:r>
-              <a:rPr sz="1800">
-                <a:latin typeface="Courier"/>
-              </a:rPr>
-              <a:t>(test_gender)</a:t>
-            </a:r>
-            <a:br/>
-            <a:r>
-              <a:rPr sz="1800">
-                <a:latin typeface="Courier"/>
-              </a:rPr>
-              <a:t>test_gender</a:t>
-            </a:r>
-          </a:p>
-          <a:p>
-            <a:pPr lvl="0" marL="1270000" indent="0">
-              <a:buNone/>
-            </a:pPr>
-            <a:r>
-              <a:rPr sz="1800">
-                <a:latin typeface="Courier"/>
-              </a:rPr>
-              <a:t>## [1] "F" "F" "M" "F"</a:t>
-            </a:r>
-          </a:p>
-          <a:p>
-            <a:pPr lvl="0" marL="0" indent="0">
-              <a:buNone/>
-            </a:pPr>
-            <a:r>
-              <a:rPr/>
-              <a:t>Look at the manipulate strings cheat sheet for other functions you can use.</a:t>
+              <a:rPr sz="1800">
+                <a:latin typeface="Courier"/>
+              </a:rPr>
+              <a:t>## [1] "2012-01-02" "2015-04-03" "2002-06-15"</a:t>
             </a:r>
           </a:p>
         </p:txBody>
@@ -6886,31 +7031,15 @@
             </a:pPr>
             <a:r>
               <a:rPr/>
-              <a:t>5.</a:t>
-            </a:r>
-            <a:r>
-              <a:rPr/>
-              <a:t> </a:t>
-            </a:r>
-            <a:r>
-              <a:rPr/>
-              <a:t>Working</a:t>
-            </a:r>
-            <a:r>
-              <a:rPr/>
-              <a:t> </a:t>
-            </a:r>
-            <a:r>
-              <a:rPr/>
-              <a:t>with</a:t>
-            </a:r>
-            <a:r>
-              <a:rPr/>
-              <a:t> </a:t>
-            </a:r>
-            <a:r>
-              <a:rPr/>
-              <a:t>dates</a:t>
+              <a:t>Parsing</a:t>
+            </a:r>
+            <a:r>
+              <a:rPr/>
+              <a:t> </a:t>
+            </a:r>
+            <a:r>
+              <a:rPr/>
+              <a:t>dates.</a:t>
             </a:r>
           </a:p>
         </p:txBody>
@@ -6941,7 +7070,16 @@
             </a:pPr>
             <a:r>
               <a:rPr/>
-              <a:t>R treats dates as characters unless you tell it not to.</a:t>
+              <a:t>We can extract components of dates.</a:t>
+            </a:r>
+          </a:p>
+          <a:p>
+            <a:pPr lvl="0" marL="0" indent="0">
+              <a:buNone/>
+            </a:pPr>
+            <a:r>
+              <a:rPr/>
+              <a:t>Extracting years</a:t>
             </a:r>
           </a:p>
           <a:p>
@@ -6949,27 +7087,165 @@
               <a:buNone/>
             </a:pPr>
             <a:r>
+              <a:rPr sz="1800">
+                <a:latin typeface="Courier"/>
+              </a:rPr>
+              <a:t>cchic &lt;-</a:t>
+            </a:r>
+            <a:r>
+              <a:rPr sz="1800">
+                <a:solidFill>
+                  <a:srgbClr val="4070A0"/>
+                </a:solidFill>
+                <a:latin typeface="Courier"/>
+              </a:rPr>
+              <a:t> </a:t>
+            </a:r>
+            <a:r>
+              <a:rPr sz="1800">
+                <a:latin typeface="Courier"/>
+              </a:rPr>
+              <a:t>cchic </a:t>
+            </a:r>
+            <a:r>
+              <a:rPr sz="1800">
+                <a:solidFill>
+                  <a:srgbClr val="666666"/>
+                </a:solidFill>
+                <a:latin typeface="Courier"/>
+              </a:rPr>
+              <a:t>%&gt;%</a:t>
+            </a:r>
+            <a:r>
+              <a:rPr sz="1800">
+                <a:solidFill>
+                  <a:srgbClr val="4070A0"/>
+                </a:solidFill>
+                <a:latin typeface="Courier"/>
+              </a:rPr>
+              <a:t> </a:t>
+            </a:r>
+            <a:br/>
+            <a:r>
+              <a:rPr sz="1800">
+                <a:solidFill>
+                  <a:srgbClr val="4070A0"/>
+                </a:solidFill>
+                <a:latin typeface="Courier"/>
+              </a:rPr>
+              <a:t>  </a:t>
+            </a:r>
+            <a:r>
               <a:rPr sz="1800" b="1">
                 <a:solidFill>
                   <a:srgbClr val="007020"/>
                 </a:solidFill>
                 <a:latin typeface="Courier"/>
               </a:rPr>
-              <a:t>library</a:t>
-            </a:r>
-            <a:r>
-              <a:rPr sz="1800">
-                <a:latin typeface="Courier"/>
-              </a:rPr>
-              <a:t>(lubridate)</a:t>
+              <a:t>mutate</a:t>
+            </a:r>
+            <a:r>
+              <a:rPr sz="1800">
+                <a:latin typeface="Courier"/>
+              </a:rPr>
+              <a:t>(</a:t>
+            </a:r>
+            <a:r>
+              <a:rPr sz="1800">
+                <a:solidFill>
+                  <a:srgbClr val="902000"/>
+                </a:solidFill>
+                <a:latin typeface="Courier"/>
+              </a:rPr>
+              <a:t>year_born =</a:t>
+            </a:r>
+            <a:r>
+              <a:rPr sz="1800">
+                <a:latin typeface="Courier"/>
+              </a:rPr>
+              <a:t> </a:t>
+            </a:r>
+            <a:r>
+              <a:rPr sz="1800" b="1">
+                <a:solidFill>
+                  <a:srgbClr val="007020"/>
+                </a:solidFill>
+                <a:latin typeface="Courier"/>
+              </a:rPr>
+              <a:t>year</a:t>
+            </a:r>
+            <a:r>
+              <a:rPr sz="1800">
+                <a:latin typeface="Courier"/>
+              </a:rPr>
+              <a:t>(</a:t>
+            </a:r>
+            <a:r>
+              <a:rPr sz="1800" b="1">
+                <a:solidFill>
+                  <a:srgbClr val="007020"/>
+                </a:solidFill>
+                <a:latin typeface="Courier"/>
+              </a:rPr>
+              <a:t>ymd</a:t>
+            </a:r>
+            <a:r>
+              <a:rPr sz="1800">
+                <a:latin typeface="Courier"/>
+              </a:rPr>
+              <a:t>(dob)))</a:t>
             </a:r>
             <a:br/>
             <a:br/>
             <a:r>
-              <a:rPr sz="1800">
-                <a:latin typeface="Courier"/>
-              </a:rPr>
-              <a:t>test_dates &lt;-</a:t>
+              <a:rPr sz="1800" b="1">
+                <a:solidFill>
+                  <a:srgbClr val="007020"/>
+                </a:solidFill>
+                <a:latin typeface="Courier"/>
+              </a:rPr>
+              <a:t>str</a:t>
+            </a:r>
+            <a:r>
+              <a:rPr sz="1800">
+                <a:latin typeface="Courier"/>
+              </a:rPr>
+              <a:t>(cchic</a:t>
+            </a:r>
+            <a:r>
+              <a:rPr sz="1800">
+                <a:solidFill>
+                  <a:srgbClr val="666666"/>
+                </a:solidFill>
+                <a:latin typeface="Courier"/>
+              </a:rPr>
+              <a:t>$</a:t>
+            </a:r>
+            <a:r>
+              <a:rPr sz="1800">
+                <a:latin typeface="Courier"/>
+              </a:rPr>
+              <a:t>year_born)</a:t>
+            </a:r>
+          </a:p>
+          <a:p>
+            <a:pPr lvl="0" marL="0" indent="0">
+              <a:buNone/>
+            </a:pPr>
+            <a:r>
+              <a:rPr/>
+              <a:t>Extracting days</a:t>
+            </a:r>
+          </a:p>
+          <a:p>
+            <a:pPr lvl="0" marL="1270000" indent="0">
+              <a:buNone/>
+            </a:pPr>
+            <a:r>
+              <a:rPr sz="1800">
+                <a:latin typeface="Courier"/>
+              </a:rPr>
+              <a:t>cchic &lt;-</a:t>
             </a:r>
             <a:r>
               <a:rPr sz="1800">
@@ -6981,13 +7257,47 @@
               <a:t> </a:t>
             </a:r>
             <a:r>
+              <a:rPr sz="1800">
+                <a:latin typeface="Courier"/>
+              </a:rPr>
+              <a:t>cchic </a:t>
+            </a:r>
+            <a:r>
+              <a:rPr sz="1800">
+                <a:solidFill>
+                  <a:srgbClr val="666666"/>
+                </a:solidFill>
+                <a:latin typeface="Courier"/>
+              </a:rPr>
+              <a:t>%&gt;%</a:t>
+            </a:r>
+            <a:r>
+              <a:rPr sz="1800">
+                <a:solidFill>
+                  <a:srgbClr val="4070A0"/>
+                </a:solidFill>
+                <a:latin typeface="Courier"/>
+              </a:rPr>
+              <a:t> </a:t>
+            </a:r>
+            <a:br/>
+            <a:r>
+              <a:rPr sz="1800">
+                <a:solidFill>
+                  <a:srgbClr val="4070A0"/>
+                </a:solidFill>
+                <a:latin typeface="Courier"/>
+              </a:rPr>
+              <a:t>  </a:t>
+            </a:r>
+            <a:r>
               <a:rPr sz="1800" b="1">
                 <a:solidFill>
                   <a:srgbClr val="007020"/>
                 </a:solidFill>
                 <a:latin typeface="Courier"/>
               </a:rPr>
-              <a:t>c</a:t>
+              <a:t>mutate</a:t>
             </a:r>
             <a:r>
               <a:rPr sz="1800">
@@ -6998,73 +7308,14 @@
             <a:r>
               <a:rPr sz="1800">
                 <a:solidFill>
-                  <a:srgbClr val="4070A0"/>
-                </a:solidFill>
-                <a:latin typeface="Courier"/>
-              </a:rPr>
-              <a:t>"02-01-12"</a:t>
-            </a:r>
-            <a:r>
-              <a:rPr sz="1800">
-                <a:latin typeface="Courier"/>
-              </a:rPr>
-              <a:t>, </a:t>
-            </a:r>
-            <a:r>
-              <a:rPr sz="1800">
-                <a:solidFill>
-                  <a:srgbClr val="4070A0"/>
-                </a:solidFill>
-                <a:latin typeface="Courier"/>
-              </a:rPr>
-              <a:t>"03-04-15"</a:t>
-            </a:r>
-            <a:r>
-              <a:rPr sz="1800">
-                <a:latin typeface="Courier"/>
-              </a:rPr>
-              <a:t>, </a:t>
-            </a:r>
-            <a:r>
-              <a:rPr sz="1800">
-                <a:solidFill>
-                  <a:srgbClr val="4070A0"/>
-                </a:solidFill>
-                <a:latin typeface="Courier"/>
-              </a:rPr>
-              <a:t>"15-06-02"</a:t>
-            </a:r>
-            <a:r>
-              <a:rPr sz="1800">
-                <a:latin typeface="Courier"/>
-              </a:rPr>
-              <a:t>)</a:t>
-            </a:r>
-          </a:p>
-          <a:p>
-            <a:pPr lvl="0" marL="0" indent="0">
-              <a:buNone/>
-            </a:pPr>
-            <a:r>
-              <a:rPr/>
-              <a:t>Convert these characters to dates.</a:t>
-            </a:r>
-          </a:p>
-          <a:p>
-            <a:pPr lvl="0" marL="1270000" indent="0">
-              <a:buNone/>
-            </a:pPr>
-            <a:r>
-              <a:rPr sz="1800">
-                <a:latin typeface="Courier"/>
-              </a:rPr>
-              <a:t>test_dates &lt;-</a:t>
-            </a:r>
-            <a:r>
-              <a:rPr sz="1800">
-                <a:solidFill>
-                  <a:srgbClr val="4070A0"/>
-                </a:solidFill>
+                  <a:srgbClr val="902000"/>
+                </a:solidFill>
+                <a:latin typeface="Courier"/>
+              </a:rPr>
+              <a:t>discharge_day =</a:t>
+            </a:r>
+            <a:r>
+              <a:rPr sz="1800">
                 <a:latin typeface="Courier"/>
               </a:rPr>
               <a:t> </a:t>
@@ -7076,31 +7327,75 @@
                 </a:solidFill>
                 <a:latin typeface="Courier"/>
               </a:rPr>
-              <a:t>dmy</a:t>
-            </a:r>
-            <a:r>
-              <a:rPr sz="1800">
-                <a:latin typeface="Courier"/>
-              </a:rPr>
-              <a:t>(test_dates)</a:t>
+              <a:t>day</a:t>
+            </a:r>
+            <a:r>
+              <a:rPr sz="1800">
+                <a:latin typeface="Courier"/>
+              </a:rPr>
+              <a:t>(</a:t>
+            </a:r>
+            <a:r>
+              <a:rPr sz="1800" b="1">
+                <a:solidFill>
+                  <a:srgbClr val="007020"/>
+                </a:solidFill>
+                <a:latin typeface="Courier"/>
+              </a:rPr>
+              <a:t>ymd_hms</a:t>
+            </a:r>
+            <a:r>
+              <a:rPr sz="1800">
+                <a:latin typeface="Courier"/>
+              </a:rPr>
+              <a:t>(cchic</a:t>
+            </a:r>
+            <a:r>
+              <a:rPr sz="1800">
+                <a:solidFill>
+                  <a:srgbClr val="666666"/>
+                </a:solidFill>
+                <a:latin typeface="Courier"/>
+              </a:rPr>
+              <a:t>$</a:t>
+            </a:r>
+            <a:r>
+              <a:rPr sz="1800">
+                <a:latin typeface="Courier"/>
+              </a:rPr>
+              <a:t>discharge_dttm)))</a:t>
             </a:r>
             <a:br/>
-            <a:r>
-              <a:rPr sz="1800">
-                <a:latin typeface="Courier"/>
-              </a:rPr>
-              <a:t>test_dates</a:t>
-            </a:r>
-          </a:p>
-          <a:p>
-            <a:pPr lvl="0" marL="1270000" indent="0">
-              <a:buNone/>
-            </a:pPr>
-            <a:r>
-              <a:rPr sz="1800">
-                <a:latin typeface="Courier"/>
-              </a:rPr>
-              <a:t>## [1] "2012-01-02" "2015-04-03" "2002-06-15"</a:t>
+            <a:br/>
+            <a:r>
+              <a:rPr sz="1800" b="1">
+                <a:solidFill>
+                  <a:srgbClr val="007020"/>
+                </a:solidFill>
+                <a:latin typeface="Courier"/>
+              </a:rPr>
+              <a:t>str</a:t>
+            </a:r>
+            <a:r>
+              <a:rPr sz="1800">
+                <a:latin typeface="Courier"/>
+              </a:rPr>
+              <a:t>(cchic</a:t>
+            </a:r>
+            <a:r>
+              <a:rPr sz="1800">
+                <a:solidFill>
+                  <a:srgbClr val="666666"/>
+                </a:solidFill>
+                <a:latin typeface="Courier"/>
+              </a:rPr>
+              <a:t>$</a:t>
+            </a:r>
+            <a:r>
+              <a:rPr sz="1800">
+                <a:latin typeface="Courier"/>
+              </a:rPr>
+              <a:t>discharge_day)</a:t>
             </a:r>
           </a:p>
         </p:txBody>
@@ -7153,15 +7448,15 @@
             </a:pPr>
             <a:r>
               <a:rPr/>
-              <a:t>Parsing</a:t>
-            </a:r>
-            <a:r>
-              <a:rPr/>
-              <a:t> </a:t>
-            </a:r>
-            <a:r>
-              <a:rPr/>
-              <a:t>dates.</a:t>
+              <a:t>Date</a:t>
+            </a:r>
+            <a:r>
+              <a:rPr/>
+              <a:t> </a:t>
+            </a:r>
+            <a:r>
+              <a:rPr/>
+              <a:t>intervals</a:t>
             </a:r>
           </a:p>
         </p:txBody>
@@ -7192,23 +7487,14 @@
             </a:pPr>
             <a:r>
               <a:rPr/>
-              <a:t>We can extract components of dates.</a:t>
-            </a:r>
-          </a:p>
-          <a:p>
-            <a:pPr lvl="0" marL="0" indent="0">
+              <a:t>We often want to calculate the difference between two dates or times. Let’s calculate the length of stay of patients admitted to the ICU.</a:t>
+            </a:r>
+          </a:p>
+          <a:p>
+            <a:pPr lvl="0" marL="1270000" indent="0">
               <a:buNone/>
             </a:pPr>
             <a:r>
-              <a:rPr/>
-              <a:t>Extracting years</a:t>
-            </a:r>
-          </a:p>
-          <a:p>
-            <a:pPr lvl="0" marL="1270000" indent="0">
-              <a:buNone/>
-            </a:pPr>
-            <a:r>
               <a:rPr sz="1800">
                 <a:latin typeface="Courier"/>
               </a:rPr>
@@ -7238,6 +7524,7 @@
               </a:rPr>
               <a:t>%&gt;%</a:t>
             </a:r>
+            <a:br/>
             <a:r>
               <a:rPr sz="1800">
                 <a:solidFill>
@@ -7245,279 +7532,119 @@
                 </a:solidFill>
                 <a:latin typeface="Courier"/>
               </a:rPr>
-              <a:t> </a:t>
+              <a:t>  </a:t>
+            </a:r>
+            <a:r>
+              <a:rPr sz="1800" b="1">
+                <a:solidFill>
+                  <a:srgbClr val="007020"/>
+                </a:solidFill>
+                <a:latin typeface="Courier"/>
+              </a:rPr>
+              <a:t>mutate</a:t>
+            </a:r>
+            <a:r>
+              <a:rPr sz="1800">
+                <a:latin typeface="Courier"/>
+              </a:rPr>
+              <a:t>(</a:t>
+            </a:r>
+            <a:r>
+              <a:rPr sz="1800">
+                <a:solidFill>
+                  <a:srgbClr val="902000"/>
+                </a:solidFill>
+                <a:latin typeface="Courier"/>
+              </a:rPr>
+              <a:t>los =</a:t>
+            </a:r>
+            <a:r>
+              <a:rPr sz="1800">
+                <a:latin typeface="Courier"/>
+              </a:rPr>
+              <a:t> </a:t>
+            </a:r>
+            <a:r>
+              <a:rPr sz="1800" b="1">
+                <a:solidFill>
+                  <a:srgbClr val="007020"/>
+                </a:solidFill>
+                <a:latin typeface="Courier"/>
+              </a:rPr>
+              <a:t>difftime</a:t>
+            </a:r>
+            <a:r>
+              <a:rPr sz="1800">
+                <a:latin typeface="Courier"/>
+              </a:rPr>
+              <a:t>(</a:t>
+            </a:r>
+            <a:r>
+              <a:rPr sz="1800" b="1">
+                <a:solidFill>
+                  <a:srgbClr val="007020"/>
+                </a:solidFill>
+                <a:latin typeface="Courier"/>
+              </a:rPr>
+              <a:t>ymd_hms</a:t>
+            </a:r>
+            <a:r>
+              <a:rPr sz="1800">
+                <a:latin typeface="Courier"/>
+              </a:rPr>
+              <a:t>(discharge_dttm),</a:t>
             </a:r>
             <a:br/>
             <a:r>
               <a:rPr sz="1800">
+                <a:latin typeface="Courier"/>
+              </a:rPr>
+              <a:t>                        </a:t>
+            </a:r>
+            <a:r>
+              <a:rPr sz="1800" b="1">
+                <a:solidFill>
+                  <a:srgbClr val="007020"/>
+                </a:solidFill>
+                <a:latin typeface="Courier"/>
+              </a:rPr>
+              <a:t>ymd_hms</a:t>
+            </a:r>
+            <a:r>
+              <a:rPr sz="1800">
+                <a:latin typeface="Courier"/>
+              </a:rPr>
+              <a:t>(arrival_dttm), </a:t>
+            </a:r>
+            <a:r>
+              <a:rPr sz="1800">
+                <a:solidFill>
+                  <a:srgbClr val="902000"/>
+                </a:solidFill>
+                <a:latin typeface="Courier"/>
+              </a:rPr>
+              <a:t>units =</a:t>
+            </a:r>
+            <a:r>
+              <a:rPr sz="1800">
+                <a:latin typeface="Courier"/>
+              </a:rPr>
+              <a:t> </a:t>
+            </a:r>
+            <a:r>
+              <a:rPr sz="1800">
                 <a:solidFill>
                   <a:srgbClr val="4070A0"/>
                 </a:solidFill>
                 <a:latin typeface="Courier"/>
               </a:rPr>
-              <a:t>  </a:t>
-            </a:r>
-            <a:r>
-              <a:rPr sz="1800" b="1">
-                <a:solidFill>
-                  <a:srgbClr val="007020"/>
-                </a:solidFill>
-                <a:latin typeface="Courier"/>
-              </a:rPr>
-              <a:t>mutate</a:t>
-            </a:r>
-            <a:r>
-              <a:rPr sz="1800">
-                <a:latin typeface="Courier"/>
-              </a:rPr>
-              <a:t>(</a:t>
-            </a:r>
-            <a:r>
-              <a:rPr sz="1800">
-                <a:solidFill>
-                  <a:srgbClr val="902000"/>
-                </a:solidFill>
-                <a:latin typeface="Courier"/>
-              </a:rPr>
-              <a:t>year_born =</a:t>
-            </a:r>
-            <a:r>
-              <a:rPr sz="1800">
-                <a:latin typeface="Courier"/>
-              </a:rPr>
-              <a:t> </a:t>
-            </a:r>
-            <a:r>
-              <a:rPr sz="1800" b="1">
-                <a:solidFill>
-                  <a:srgbClr val="007020"/>
-                </a:solidFill>
-                <a:latin typeface="Courier"/>
-              </a:rPr>
-              <a:t>year</a:t>
-            </a:r>
-            <a:r>
-              <a:rPr sz="1800">
-                <a:latin typeface="Courier"/>
-              </a:rPr>
-              <a:t>(</a:t>
-            </a:r>
-            <a:r>
-              <a:rPr sz="1800" b="1">
-                <a:solidFill>
-                  <a:srgbClr val="007020"/>
-                </a:solidFill>
-                <a:latin typeface="Courier"/>
-              </a:rPr>
-              <a:t>ymd</a:t>
-            </a:r>
-            <a:r>
-              <a:rPr sz="1800">
-                <a:latin typeface="Courier"/>
-              </a:rPr>
-              <a:t>(dob)))</a:t>
-            </a:r>
-            <a:br/>
-            <a:br/>
-            <a:r>
-              <a:rPr sz="1800" b="1">
-                <a:solidFill>
-                  <a:srgbClr val="007020"/>
-                </a:solidFill>
-                <a:latin typeface="Courier"/>
-              </a:rPr>
-              <a:t>str</a:t>
-            </a:r>
-            <a:r>
-              <a:rPr sz="1800">
-                <a:latin typeface="Courier"/>
-              </a:rPr>
-              <a:t>(cchic</a:t>
-            </a:r>
-            <a:r>
-              <a:rPr sz="1800">
-                <a:solidFill>
-                  <a:srgbClr val="666666"/>
-                </a:solidFill>
-                <a:latin typeface="Courier"/>
-              </a:rPr>
-              <a:t>$</a:t>
-            </a:r>
-            <a:r>
-              <a:rPr sz="1800">
-                <a:latin typeface="Courier"/>
-              </a:rPr>
-              <a:t>year_born)</a:t>
-            </a:r>
-          </a:p>
-          <a:p>
-            <a:pPr lvl="0" marL="0" indent="0">
-              <a:buNone/>
-            </a:pPr>
-            <a:r>
-              <a:rPr/>
-              <a:t>Extracting days</a:t>
-            </a:r>
-          </a:p>
-          <a:p>
-            <a:pPr lvl="0" marL="1270000" indent="0">
-              <a:buNone/>
-            </a:pPr>
-            <a:r>
-              <a:rPr sz="1800">
-                <a:latin typeface="Courier"/>
-              </a:rPr>
-              <a:t>cchic &lt;-</a:t>
-            </a:r>
-            <a:r>
-              <a:rPr sz="1800">
-                <a:solidFill>
-                  <a:srgbClr val="4070A0"/>
-                </a:solidFill>
-                <a:latin typeface="Courier"/>
-              </a:rPr>
-              <a:t> </a:t>
-            </a:r>
-            <a:r>
-              <a:rPr sz="1800">
-                <a:latin typeface="Courier"/>
-              </a:rPr>
-              <a:t>cchic </a:t>
-            </a:r>
-            <a:r>
-              <a:rPr sz="1800">
-                <a:solidFill>
-                  <a:srgbClr val="666666"/>
-                </a:solidFill>
-                <a:latin typeface="Courier"/>
-              </a:rPr>
-              <a:t>%&gt;%</a:t>
-            </a:r>
-            <a:r>
-              <a:rPr sz="1800">
-                <a:solidFill>
-                  <a:srgbClr val="4070A0"/>
-                </a:solidFill>
-                <a:latin typeface="Courier"/>
-              </a:rPr>
-              <a:t> </a:t>
-            </a:r>
-            <a:br/>
-            <a:r>
-              <a:rPr sz="1800">
-                <a:solidFill>
-                  <a:srgbClr val="4070A0"/>
-                </a:solidFill>
-                <a:latin typeface="Courier"/>
-              </a:rPr>
-              <a:t>  </a:t>
-            </a:r>
-            <a:r>
-              <a:rPr sz="1800" b="1">
-                <a:solidFill>
-                  <a:srgbClr val="007020"/>
-                </a:solidFill>
-                <a:latin typeface="Courier"/>
-              </a:rPr>
-              <a:t>mutate</a:t>
-            </a:r>
-            <a:r>
-              <a:rPr sz="1800">
-                <a:latin typeface="Courier"/>
-              </a:rPr>
-              <a:t>(</a:t>
-            </a:r>
-            <a:r>
-              <a:rPr sz="1800">
-                <a:solidFill>
-                  <a:srgbClr val="902000"/>
-                </a:solidFill>
-                <a:latin typeface="Courier"/>
-              </a:rPr>
-              <a:t>discharge_day =</a:t>
-            </a:r>
-            <a:r>
-              <a:rPr sz="1800">
-                <a:latin typeface="Courier"/>
-              </a:rPr>
-              <a:t> </a:t>
-            </a:r>
-            <a:r>
-              <a:rPr sz="1800" b="1">
-                <a:solidFill>
-                  <a:srgbClr val="007020"/>
-                </a:solidFill>
-                <a:latin typeface="Courier"/>
-              </a:rPr>
-              <a:t>day</a:t>
-            </a:r>
-            <a:r>
-              <a:rPr sz="1800">
-                <a:latin typeface="Courier"/>
-              </a:rPr>
-              <a:t>(</a:t>
-            </a:r>
-            <a:r>
-              <a:rPr sz="1800" b="1">
-                <a:solidFill>
-                  <a:srgbClr val="007020"/>
-                </a:solidFill>
-                <a:latin typeface="Courier"/>
-              </a:rPr>
-              <a:t>ymd_hms</a:t>
-            </a:r>
-            <a:r>
-              <a:rPr sz="1800">
-                <a:latin typeface="Courier"/>
-              </a:rPr>
-              <a:t>(cchic</a:t>
-            </a:r>
-            <a:r>
-              <a:rPr sz="1800">
-                <a:solidFill>
-                  <a:srgbClr val="666666"/>
-                </a:solidFill>
-                <a:latin typeface="Courier"/>
-              </a:rPr>
-              <a:t>$</a:t>
-            </a:r>
-            <a:r>
-              <a:rPr sz="1800">
-                <a:latin typeface="Courier"/>
-              </a:rPr>
-              <a:t>discharge_dttm)))</a:t>
-            </a:r>
-            <a:br/>
-            <a:br/>
-            <a:r>
-              <a:rPr sz="1800" b="1">
-                <a:solidFill>
-                  <a:srgbClr val="007020"/>
-                </a:solidFill>
-                <a:latin typeface="Courier"/>
-              </a:rPr>
-              <a:t>str</a:t>
-            </a:r>
-            <a:r>
-              <a:rPr sz="1800">
-                <a:latin typeface="Courier"/>
-              </a:rPr>
-              <a:t>(cchic</a:t>
-            </a:r>
-            <a:r>
-              <a:rPr sz="1800">
-                <a:solidFill>
-                  <a:srgbClr val="666666"/>
-                </a:solidFill>
-                <a:latin typeface="Courier"/>
-              </a:rPr>
-              <a:t>$</a:t>
-            </a:r>
-            <a:r>
-              <a:rPr sz="1800">
-                <a:latin typeface="Courier"/>
-              </a:rPr>
-              <a:t>discharge_day)</a:t>
+              <a:t>"days"</a:t>
+            </a:r>
+            <a:r>
+              <a:rPr sz="1800">
+                <a:latin typeface="Courier"/>
+              </a:rPr>
+              <a:t>))</a:t>
             </a:r>
           </a:p>
         </p:txBody>
@@ -7570,15 +7697,23 @@
             </a:pPr>
             <a:r>
               <a:rPr/>
-              <a:t>Date</a:t>
-            </a:r>
-            <a:r>
-              <a:rPr/>
-              <a:t> </a:t>
-            </a:r>
-            <a:r>
-              <a:rPr/>
-              <a:t>intervals</a:t>
+              <a:t>6.</a:t>
+            </a:r>
+            <a:r>
+              <a:rPr/>
+              <a:t> </a:t>
+            </a:r>
+            <a:r>
+              <a:rPr/>
+              <a:t>Deleting</a:t>
+            </a:r>
+            <a:r>
+              <a:rPr/>
+              <a:t> </a:t>
+            </a:r>
+            <a:r>
+              <a:rPr/>
+              <a:t>columns</a:t>
             </a:r>
           </a:p>
         </p:txBody>
@@ -7609,7 +7744,17 @@
             </a:pPr>
             <a:r>
               <a:rPr/>
-              <a:t>We often want to calculate the difference between two dates or times. Let’s calculate the length of stay of patients admitted to the ICU.</a:t>
+              <a:t>What if we wanted to remove the </a:t>
+            </a:r>
+            <a:r>
+              <a:rPr sz="1800">
+                <a:latin typeface="Courier"/>
+              </a:rPr>
+              <a:t>temp_nc</a:t>
+            </a:r>
+            <a:r>
+              <a:rPr/>
+              <a:t> variable?</a:t>
             </a:r>
           </a:p>
           <a:p>
@@ -7620,8 +7765,18 @@
               <a:rPr sz="1800">
                 <a:latin typeface="Courier"/>
               </a:rPr>
-              <a:t>cchic &lt;-</a:t>
-            </a:r>
+              <a:t>cchic </a:t>
+            </a:r>
+            <a:r>
+              <a:rPr sz="1800">
+                <a:solidFill>
+                  <a:srgbClr val="666666"/>
+                </a:solidFill>
+                <a:latin typeface="Courier"/>
+              </a:rPr>
+              <a:t>%&gt;%</a:t>
+            </a:r>
+            <a:br/>
             <a:r>
               <a:rPr sz="1800">
                 <a:solidFill>
@@ -7629,13 +7784,22 @@
                 </a:solidFill>
                 <a:latin typeface="Courier"/>
               </a:rPr>
-              <a:t> </a:t>
-            </a:r>
-            <a:r>
-              <a:rPr sz="1800">
-                <a:latin typeface="Courier"/>
-              </a:rPr>
-              <a:t>cchic </a:t>
+              <a:t>  </a:t>
+            </a:r>
+            <a:r>
+              <a:rPr sz="1800" b="1">
+                <a:solidFill>
+                  <a:srgbClr val="007020"/>
+                </a:solidFill>
+                <a:latin typeface="Courier"/>
+              </a:rPr>
+              <a:t>select</a:t>
+            </a:r>
+            <a:r>
+              <a:rPr sz="1800">
+                <a:latin typeface="Courier"/>
+              </a:rPr>
+              <a:t>(</a:t>
             </a:r>
             <a:r>
               <a:rPr sz="1800">
@@ -7644,129 +7808,41 @@
                 </a:solidFill>
                 <a:latin typeface="Courier"/>
               </a:rPr>
-              <a:t>%&gt;%</a:t>
-            </a:r>
-            <a:br/>
-            <a:r>
-              <a:rPr sz="1800">
-                <a:solidFill>
-                  <a:srgbClr val="4070A0"/>
-                </a:solidFill>
-                <a:latin typeface="Courier"/>
-              </a:rPr>
-              <a:t>  </a:t>
-            </a:r>
-            <a:r>
-              <a:rPr sz="1800" b="1">
-                <a:solidFill>
-                  <a:srgbClr val="007020"/>
-                </a:solidFill>
-                <a:latin typeface="Courier"/>
-              </a:rPr>
-              <a:t>mutate</a:t>
-            </a:r>
-            <a:r>
-              <a:rPr sz="1800">
-                <a:latin typeface="Courier"/>
-              </a:rPr>
-              <a:t>(</a:t>
-            </a:r>
-            <a:r>
-              <a:rPr sz="1800">
-                <a:solidFill>
-                  <a:srgbClr val="902000"/>
-                </a:solidFill>
-                <a:latin typeface="Courier"/>
-              </a:rPr>
-              <a:t>los =</a:t>
-            </a:r>
-            <a:r>
-              <a:rPr sz="1800">
-                <a:latin typeface="Courier"/>
-              </a:rPr>
-              <a:t> </a:t>
-            </a:r>
-            <a:r>
-              <a:rPr sz="1800" b="1">
-                <a:solidFill>
-                  <a:srgbClr val="007020"/>
-                </a:solidFill>
-                <a:latin typeface="Courier"/>
-              </a:rPr>
-              <a:t>difftime</a:t>
-            </a:r>
-            <a:r>
-              <a:rPr sz="1800">
-                <a:latin typeface="Courier"/>
-              </a:rPr>
-              <a:t>(</a:t>
-            </a:r>
-            <a:r>
-              <a:rPr sz="1800" b="1">
-                <a:solidFill>
-                  <a:srgbClr val="007020"/>
-                </a:solidFill>
-                <a:latin typeface="Courier"/>
-              </a:rPr>
-              <a:t>ymd_hms</a:t>
-            </a:r>
-            <a:r>
-              <a:rPr sz="1800">
-                <a:latin typeface="Courier"/>
-              </a:rPr>
-              <a:t>(discharge_dttm),</a:t>
-            </a:r>
-            <a:br/>
-            <a:r>
-              <a:rPr sz="1800">
-                <a:latin typeface="Courier"/>
-              </a:rPr>
-              <a:t>                        </a:t>
-            </a:r>
-            <a:r>
-              <a:rPr sz="1800" b="1">
-                <a:solidFill>
-                  <a:srgbClr val="007020"/>
-                </a:solidFill>
-                <a:latin typeface="Courier"/>
-              </a:rPr>
-              <a:t>ymd_hms</a:t>
-            </a:r>
-            <a:r>
-              <a:rPr sz="1800">
-                <a:latin typeface="Courier"/>
-              </a:rPr>
-              <a:t>(arrival_dttm), </a:t>
-            </a:r>
-            <a:r>
-              <a:rPr sz="1800">
-                <a:solidFill>
-                  <a:srgbClr val="902000"/>
-                </a:solidFill>
-                <a:latin typeface="Courier"/>
-              </a:rPr>
-              <a:t>units =</a:t>
-            </a:r>
-            <a:r>
-              <a:rPr sz="1800">
-                <a:latin typeface="Courier"/>
-              </a:rPr>
-              <a:t> </a:t>
-            </a:r>
-            <a:r>
-              <a:rPr sz="1800">
-                <a:solidFill>
-                  <a:srgbClr val="4070A0"/>
-                </a:solidFill>
-                <a:latin typeface="Courier"/>
-              </a:rPr>
-              <a:t>"days"</a:t>
-            </a:r>
-            <a:r>
-              <a:rPr sz="1800">
-                <a:latin typeface="Courier"/>
-              </a:rPr>
-              <a:t>))</a:t>
+              <a:t>-</a:t>
+            </a:r>
+            <a:r>
+              <a:rPr sz="1800">
+                <a:latin typeface="Courier"/>
+              </a:rPr>
+              <a:t>temp_nc)</a:t>
+            </a:r>
+          </a:p>
+          <a:p>
+            <a:pPr lvl="0" marL="0" indent="0">
+              <a:buNone/>
+            </a:pPr>
+            <a:r>
+              <a:rPr/>
+              <a:t>The </a:t>
+            </a:r>
+            <a:r>
+              <a:rPr sz="1800">
+                <a:latin typeface="Courier"/>
+              </a:rPr>
+              <a:t>-</a:t>
+            </a:r>
+            <a:r>
+              <a:rPr/>
+              <a:t> sign means deselect here.</a:t>
+            </a:r>
+          </a:p>
+          <a:p>
+            <a:pPr lvl="0" marL="0" indent="0">
+              <a:buNone/>
+            </a:pPr>
+            <a:r>
+              <a:rPr/>
+              <a:t>Don’t forget to assign the above code to something, otherwise the output won’t be saved.</a:t>
             </a:r>
           </a:p>
         </p:txBody>
@@ -7819,23 +7895,7 @@
             </a:pPr>
             <a:r>
               <a:rPr/>
-              <a:t>6.</a:t>
-            </a:r>
-            <a:r>
-              <a:rPr/>
-              <a:t> </a:t>
-            </a:r>
-            <a:r>
-              <a:rPr/>
-              <a:t>Deleting</a:t>
-            </a:r>
-            <a:r>
-              <a:rPr/>
-              <a:t> </a:t>
-            </a:r>
-            <a:r>
-              <a:rPr/>
-              <a:t>columns</a:t>
+              <a:t>Excercise</a:t>
             </a:r>
           </a:p>
         </p:txBody>
@@ -7861,110 +7921,69 @@
           <a:bodyPr/>
           <a:lstStyle/>
           <a:p>
-            <a:pPr lvl="0" marL="0" indent="0">
-              <a:buNone/>
+            <a:pPr lvl="1">
+              <a:buAutoNum type="arabicPeriod"/>
             </a:pPr>
             <a:r>
               <a:rPr/>
-              <a:t>What if we wanted to remove the </a:t>
-            </a:r>
-            <a:r>
-              <a:rPr sz="1800">
-                <a:latin typeface="Courier"/>
-              </a:rPr>
-              <a:t>temp_nc</a:t>
-            </a:r>
-            <a:r>
-              <a:rPr/>
-              <a:t> variable?</a:t>
-            </a:r>
-          </a:p>
-          <a:p>
-            <a:pPr lvl="0" marL="1270000" indent="0">
-              <a:buNone/>
+              <a:t>How many patients weigh more than 70kg?</a:t>
+            </a:r>
+          </a:p>
+          <a:p>
+            <a:pPr lvl="2"/>
+            <a:r>
+              <a:rPr/>
+              <a:t>Hint- look at the </a:t>
+            </a:r>
+            <a:r>
+              <a:rPr sz="1800">
+                <a:latin typeface="Courier"/>
+              </a:rPr>
+              <a:t>n()</a:t>
+            </a:r>
+            <a:r>
+              <a:rPr/>
+              <a:t> function.</a:t>
+            </a:r>
+          </a:p>
+          <a:p>
+            <a:pPr lvl="1">
+              <a:buAutoNum type="arabicPeriod"/>
             </a:pPr>
             <a:r>
-              <a:rPr sz="1800">
-                <a:latin typeface="Courier"/>
-              </a:rPr>
-              <a:t>cchic </a:t>
-            </a:r>
-            <a:r>
-              <a:rPr sz="1800">
-                <a:solidFill>
-                  <a:srgbClr val="666666"/>
-                </a:solidFill>
-                <a:latin typeface="Courier"/>
-              </a:rPr>
-              <a:t>%&gt;%</a:t>
-            </a:r>
-            <a:br/>
-            <a:r>
-              <a:rPr sz="1800">
-                <a:solidFill>
-                  <a:srgbClr val="4070A0"/>
-                </a:solidFill>
-                <a:latin typeface="Courier"/>
-              </a:rPr>
-              <a:t>  </a:t>
-            </a:r>
-            <a:r>
-              <a:rPr sz="1800" b="1">
-                <a:solidFill>
-                  <a:srgbClr val="007020"/>
-                </a:solidFill>
-                <a:latin typeface="Courier"/>
-              </a:rPr>
-              <a:t>select</a:t>
-            </a:r>
-            <a:r>
-              <a:rPr sz="1800">
-                <a:latin typeface="Courier"/>
-              </a:rPr>
-              <a:t>(</a:t>
-            </a:r>
-            <a:r>
-              <a:rPr sz="1800">
-                <a:solidFill>
-                  <a:srgbClr val="666666"/>
-                </a:solidFill>
-                <a:latin typeface="Courier"/>
-              </a:rPr>
-              <a:t>-</a:t>
-            </a:r>
-            <a:r>
-              <a:rPr sz="1800">
-                <a:latin typeface="Courier"/>
-              </a:rPr>
-              <a:t>temp_nc)</a:t>
-            </a:r>
-          </a:p>
-          <a:p>
-            <a:pPr lvl="0" marL="0" indent="0">
-              <a:buNone/>
-            </a:pPr>
-            <a:r>
-              <a:rPr/>
-              <a:t>The </a:t>
-            </a:r>
-            <a:r>
-              <a:rPr sz="1800">
-                <a:latin typeface="Courier"/>
-              </a:rPr>
-              <a:t>-</a:t>
-            </a:r>
-            <a:r>
-              <a:rPr/>
-              <a:t> sign means deselect here.</a:t>
-            </a:r>
-          </a:p>
-          <a:p>
-            <a:pPr lvl="0" marL="0" indent="0">
-              <a:buNone/>
-            </a:pPr>
-            <a:r>
-              <a:rPr/>
-              <a:t>Don’t forget to assign the above code to something, otherwise the output won’t be saved.</a:t>
+              <a:rPr/>
+              <a:t>Outcome of patients who were 60 years or older?</a:t>
+            </a:r>
+          </a:p>
+          <a:p>
+            <a:pPr lvl="2"/>
+            <a:r>
+              <a:rPr/>
+              <a:t>What is the mean length of stay of patients who are 60 years or older?</a:t>
+            </a:r>
+          </a:p>
+          <a:p>
+            <a:pPr lvl="2"/>
+            <a:r>
+              <a:rPr/>
+              <a:t>How many of these patients were discharged alive?</a:t>
+            </a:r>
+          </a:p>
+          <a:p>
+            <a:pPr lvl="2"/>
+            <a:r>
+              <a:rPr/>
+              <a:t>Hint - the variable </a:t>
+            </a:r>
+            <a:r>
+              <a:rPr sz="1800">
+                <a:latin typeface="Courier"/>
+              </a:rPr>
+              <a:t>vital_status</a:t>
+            </a:r>
+            <a:r>
+              <a:rPr/>
+              <a:t> indicates if the patient was alive or dead on discharge.</a:t>
             </a:r>
           </a:p>
         </p:txBody>
@@ -8017,7 +8036,55 @@
             </a:pPr>
             <a:r>
               <a:rPr/>
-              <a:t>Excercise</a:t>
+              <a:t>How</a:t>
+            </a:r>
+            <a:r>
+              <a:rPr/>
+              <a:t> </a:t>
+            </a:r>
+            <a:r>
+              <a:rPr/>
+              <a:t>many</a:t>
+            </a:r>
+            <a:r>
+              <a:rPr/>
+              <a:t> </a:t>
+            </a:r>
+            <a:r>
+              <a:rPr/>
+              <a:t>patients</a:t>
+            </a:r>
+            <a:r>
+              <a:rPr/>
+              <a:t> </a:t>
+            </a:r>
+            <a:r>
+              <a:rPr/>
+              <a:t>weigh</a:t>
+            </a:r>
+            <a:r>
+              <a:rPr/>
+              <a:t> </a:t>
+            </a:r>
+            <a:r>
+              <a:rPr/>
+              <a:t>more</a:t>
+            </a:r>
+            <a:r>
+              <a:rPr/>
+              <a:t> </a:t>
+            </a:r>
+            <a:r>
+              <a:rPr/>
+              <a:t>than</a:t>
+            </a:r>
+            <a:r>
+              <a:rPr/>
+              <a:t> </a:t>
+            </a:r>
+            <a:r>
+              <a:rPr/>
+              <a:t>70kg?</a:t>
             </a:r>
           </a:p>
         </p:txBody>
@@ -8043,69 +8110,159 @@
           <a:bodyPr/>
           <a:lstStyle/>
           <a:p>
-            <a:pPr lvl="1">
-              <a:buAutoNum type="arabicPeriod"/>
+            <a:pPr lvl="0" marL="1270000" indent="0">
+              <a:buNone/>
             </a:pPr>
             <a:r>
-              <a:rPr/>
-              <a:t>How many patients weigh more than 70kg?</a:t>
-            </a:r>
-          </a:p>
-          <a:p>
-            <a:pPr lvl="2"/>
-            <a:r>
-              <a:rPr/>
-              <a:t>Hint- look at the </a:t>
-            </a:r>
-            <a:r>
-              <a:rPr sz="1800">
-                <a:latin typeface="Courier"/>
-              </a:rPr>
-              <a:t>n()</a:t>
-            </a:r>
-            <a:r>
-              <a:rPr/>
-              <a:t> function.</a:t>
-            </a:r>
-          </a:p>
-          <a:p>
-            <a:pPr lvl="1">
-              <a:buAutoNum type="arabicPeriod"/>
+              <a:rPr sz="1800">
+                <a:latin typeface="Courier"/>
+              </a:rPr>
+              <a:t>cchic </a:t>
+            </a:r>
+            <a:r>
+              <a:rPr sz="1800">
+                <a:solidFill>
+                  <a:srgbClr val="666666"/>
+                </a:solidFill>
+                <a:latin typeface="Courier"/>
+              </a:rPr>
+              <a:t>%&gt;%</a:t>
+            </a:r>
+            <a:br/>
+            <a:r>
+              <a:rPr sz="1800">
+                <a:solidFill>
+                  <a:srgbClr val="4070A0"/>
+                </a:solidFill>
+                <a:latin typeface="Courier"/>
+              </a:rPr>
+              <a:t>  </a:t>
+            </a:r>
+            <a:r>
+              <a:rPr sz="1800" b="1">
+                <a:solidFill>
+                  <a:srgbClr val="007020"/>
+                </a:solidFill>
+                <a:latin typeface="Courier"/>
+              </a:rPr>
+              <a:t>filter</a:t>
+            </a:r>
+            <a:r>
+              <a:rPr sz="1800">
+                <a:latin typeface="Courier"/>
+              </a:rPr>
+              <a:t>(weight </a:t>
+            </a:r>
+            <a:r>
+              <a:rPr sz="1800">
+                <a:solidFill>
+                  <a:srgbClr val="666666"/>
+                </a:solidFill>
+                <a:latin typeface="Courier"/>
+              </a:rPr>
+              <a:t>&gt;</a:t>
+            </a:r>
+            <a:r>
+              <a:rPr sz="1800">
+                <a:solidFill>
+                  <a:srgbClr val="4070A0"/>
+                </a:solidFill>
+                <a:latin typeface="Courier"/>
+              </a:rPr>
+              <a:t> </a:t>
+            </a:r>
+            <a:r>
+              <a:rPr sz="1800">
+                <a:solidFill>
+                  <a:srgbClr val="40A070"/>
+                </a:solidFill>
+                <a:latin typeface="Courier"/>
+              </a:rPr>
+              <a:t>70</a:t>
+            </a:r>
+            <a:r>
+              <a:rPr sz="1800">
+                <a:latin typeface="Courier"/>
+              </a:rPr>
+              <a:t>) </a:t>
+            </a:r>
+            <a:r>
+              <a:rPr sz="1800">
+                <a:solidFill>
+                  <a:srgbClr val="666666"/>
+                </a:solidFill>
+                <a:latin typeface="Courier"/>
+              </a:rPr>
+              <a:t>%&gt;%</a:t>
+            </a:r>
+            <a:br/>
+            <a:r>
+              <a:rPr sz="1800">
+                <a:solidFill>
+                  <a:srgbClr val="4070A0"/>
+                </a:solidFill>
+                <a:latin typeface="Courier"/>
+              </a:rPr>
+              <a:t>  </a:t>
+            </a:r>
+            <a:r>
+              <a:rPr sz="1800" b="1">
+                <a:solidFill>
+                  <a:srgbClr val="007020"/>
+                </a:solidFill>
+                <a:latin typeface="Courier"/>
+              </a:rPr>
+              <a:t>summarise</a:t>
+            </a:r>
+            <a:r>
+              <a:rPr sz="1800">
+                <a:latin typeface="Courier"/>
+              </a:rPr>
+              <a:t>(</a:t>
+            </a:r>
+            <a:r>
+              <a:rPr sz="1800">
+                <a:solidFill>
+                  <a:srgbClr val="902000"/>
+                </a:solidFill>
+                <a:latin typeface="Courier"/>
+              </a:rPr>
+              <a:t>number =</a:t>
+            </a:r>
+            <a:r>
+              <a:rPr sz="1800">
+                <a:latin typeface="Courier"/>
+              </a:rPr>
+              <a:t> </a:t>
+            </a:r>
+            <a:r>
+              <a:rPr sz="1800" b="1">
+                <a:solidFill>
+                  <a:srgbClr val="007020"/>
+                </a:solidFill>
+                <a:latin typeface="Courier"/>
+              </a:rPr>
+              <a:t>n</a:t>
+            </a:r>
+            <a:r>
+              <a:rPr sz="1800">
+                <a:latin typeface="Courier"/>
+              </a:rPr>
+              <a:t>())</a:t>
+            </a:r>
+          </a:p>
+          <a:p>
+            <a:pPr lvl="0" marL="1270000" indent="0">
+              <a:buNone/>
             </a:pPr>
             <a:r>
-              <a:rPr/>
-              <a:t>Outcome of patients who were 60 years or older?</a:t>
-            </a:r>
-          </a:p>
-          <a:p>
-            <a:pPr lvl="2"/>
-            <a:r>
-              <a:rPr/>
-              <a:t>What is the mean length of stay of patients who are 60 years or older?</a:t>
-            </a:r>
-          </a:p>
-          <a:p>
-            <a:pPr lvl="2"/>
-            <a:r>
-              <a:rPr/>
-              <a:t>How many of these patients were discharged alive?</a:t>
-            </a:r>
-          </a:p>
-          <a:p>
-            <a:pPr lvl="2"/>
-            <a:r>
-              <a:rPr/>
-              <a:t>Hint - the variable </a:t>
-            </a:r>
-            <a:r>
-              <a:rPr sz="1800">
-                <a:latin typeface="Courier"/>
-              </a:rPr>
-              <a:t>vital_status</a:t>
-            </a:r>
-            <a:r>
-              <a:rPr/>
-              <a:t> indicates if the patient was alive or dead on discharge.</a:t>
+              <a:rPr sz="1800">
+                <a:latin typeface="Courier"/>
+              </a:rPr>
+              <a:t>## # A tibble: 1 x 1
+##   number
+##    &lt;int&gt;
+## 1   2508</a:t>
             </a:r>
           </a:p>
         </p:txBody>
@@ -8158,285 +8315,6 @@
             </a:pPr>
             <a:r>
               <a:rPr/>
-              <a:t>How</a:t>
-            </a:r>
-            <a:r>
-              <a:rPr/>
-              <a:t> </a:t>
-            </a:r>
-            <a:r>
-              <a:rPr/>
-              <a:t>many</a:t>
-            </a:r>
-            <a:r>
-              <a:rPr/>
-              <a:t> </a:t>
-            </a:r>
-            <a:r>
-              <a:rPr/>
-              <a:t>patients</a:t>
-            </a:r>
-            <a:r>
-              <a:rPr/>
-              <a:t> </a:t>
-            </a:r>
-            <a:r>
-              <a:rPr/>
-              <a:t>weigh</a:t>
-            </a:r>
-            <a:r>
-              <a:rPr/>
-              <a:t> </a:t>
-            </a:r>
-            <a:r>
-              <a:rPr/>
-              <a:t>more</a:t>
-            </a:r>
-            <a:r>
-              <a:rPr/>
-              <a:t> </a:t>
-            </a:r>
-            <a:r>
-              <a:rPr/>
-              <a:t>than</a:t>
-            </a:r>
-            <a:r>
-              <a:rPr/>
-              <a:t> </a:t>
-            </a:r>
-            <a:r>
-              <a:rPr/>
-              <a:t>70kg?</a:t>
-            </a:r>
-          </a:p>
-        </p:txBody>
-      </p:sp>
-      <p:sp>
-        <p:nvSpPr>
-          <p:cNvPr id="3" name="Content Placeholder 2">
-            <a:extLst>
-              <a:ext uri="{FF2B5EF4-FFF2-40B4-BE49-F238E27FC236}">
-                <a16:creationId xmlns:a16="http://schemas.microsoft.com/office/drawing/2014/main" id="{D10DDA37-E46B-B641-BC9F-636CB92A2C08}"/>
-              </a:ext>
-            </a:extLst>
-          </p:cNvPr>
-          <p:cNvSpPr>
-            <a:spLocks noGrp="1"/>
-          </p:cNvSpPr>
-          <p:nvPr>
-            <p:ph idx="1"/>
-          </p:nvPr>
-        </p:nvSpPr>
-        <p:spPr/>
-        <p:txBody>
-          <a:bodyPr/>
-          <a:lstStyle/>
-          <a:p>
-            <a:pPr lvl="0" marL="1270000" indent="0">
-              <a:buNone/>
-            </a:pPr>
-            <a:r>
-              <a:rPr sz="1800">
-                <a:latin typeface="Courier"/>
-              </a:rPr>
-              <a:t>cchic </a:t>
-            </a:r>
-            <a:r>
-              <a:rPr sz="1800">
-                <a:solidFill>
-                  <a:srgbClr val="666666"/>
-                </a:solidFill>
-                <a:latin typeface="Courier"/>
-              </a:rPr>
-              <a:t>%&gt;%</a:t>
-            </a:r>
-            <a:br/>
-            <a:r>
-              <a:rPr sz="1800">
-                <a:solidFill>
-                  <a:srgbClr val="4070A0"/>
-                </a:solidFill>
-                <a:latin typeface="Courier"/>
-              </a:rPr>
-              <a:t>  </a:t>
-            </a:r>
-            <a:r>
-              <a:rPr sz="1800" b="1">
-                <a:solidFill>
-                  <a:srgbClr val="007020"/>
-                </a:solidFill>
-                <a:latin typeface="Courier"/>
-              </a:rPr>
-              <a:t>filter</a:t>
-            </a:r>
-            <a:r>
-              <a:rPr sz="1800">
-                <a:latin typeface="Courier"/>
-              </a:rPr>
-              <a:t>(weight </a:t>
-            </a:r>
-            <a:r>
-              <a:rPr sz="1800">
-                <a:solidFill>
-                  <a:srgbClr val="666666"/>
-                </a:solidFill>
-                <a:latin typeface="Courier"/>
-              </a:rPr>
-              <a:t>&gt;</a:t>
-            </a:r>
-            <a:r>
-              <a:rPr sz="1800">
-                <a:solidFill>
-                  <a:srgbClr val="4070A0"/>
-                </a:solidFill>
-                <a:latin typeface="Courier"/>
-              </a:rPr>
-              <a:t> </a:t>
-            </a:r>
-            <a:r>
-              <a:rPr sz="1800">
-                <a:solidFill>
-                  <a:srgbClr val="40A070"/>
-                </a:solidFill>
-                <a:latin typeface="Courier"/>
-              </a:rPr>
-              <a:t>70</a:t>
-            </a:r>
-            <a:r>
-              <a:rPr sz="1800">
-                <a:latin typeface="Courier"/>
-              </a:rPr>
-              <a:t>) </a:t>
-            </a:r>
-            <a:r>
-              <a:rPr sz="1800">
-                <a:solidFill>
-                  <a:srgbClr val="666666"/>
-                </a:solidFill>
-                <a:latin typeface="Courier"/>
-              </a:rPr>
-              <a:t>%&gt;%</a:t>
-            </a:r>
-            <a:br/>
-            <a:r>
-              <a:rPr sz="1800">
-                <a:solidFill>
-                  <a:srgbClr val="4070A0"/>
-                </a:solidFill>
-                <a:latin typeface="Courier"/>
-              </a:rPr>
-              <a:t>  </a:t>
-            </a:r>
-            <a:r>
-              <a:rPr sz="1800" b="1">
-                <a:solidFill>
-                  <a:srgbClr val="007020"/>
-                </a:solidFill>
-                <a:latin typeface="Courier"/>
-              </a:rPr>
-              <a:t>summarise</a:t>
-            </a:r>
-            <a:r>
-              <a:rPr sz="1800">
-                <a:latin typeface="Courier"/>
-              </a:rPr>
-              <a:t>(</a:t>
-            </a:r>
-            <a:r>
-              <a:rPr sz="1800">
-                <a:solidFill>
-                  <a:srgbClr val="902000"/>
-                </a:solidFill>
-                <a:latin typeface="Courier"/>
-              </a:rPr>
-              <a:t>number =</a:t>
-            </a:r>
-            <a:r>
-              <a:rPr sz="1800">
-                <a:latin typeface="Courier"/>
-              </a:rPr>
-              <a:t> </a:t>
-            </a:r>
-            <a:r>
-              <a:rPr sz="1800" b="1">
-                <a:solidFill>
-                  <a:srgbClr val="007020"/>
-                </a:solidFill>
-                <a:latin typeface="Courier"/>
-              </a:rPr>
-              <a:t>n</a:t>
-            </a:r>
-            <a:r>
-              <a:rPr sz="1800">
-                <a:latin typeface="Courier"/>
-              </a:rPr>
-              <a:t>())</a:t>
-            </a:r>
-          </a:p>
-          <a:p>
-            <a:pPr lvl="0" marL="1270000" indent="0">
-              <a:buNone/>
-            </a:pPr>
-            <a:r>
-              <a:rPr sz="1800">
-                <a:latin typeface="Courier"/>
-              </a:rPr>
-              <a:t>## # A tibble: 1 x 1
-##   number
-##    &lt;int&gt;
-## 1   2508</a:t>
-            </a:r>
-          </a:p>
-        </p:txBody>
-      </p:sp>
-    </p:spTree>
-  </p:cSld>
-</p:sld>
-</file>
-
-<file path=ppt/slides/slide27.xml><?xml version="1.0" encoding="utf-8"?>
-<p:sld xmlns:a="http://schemas.openxmlformats.org/drawingml/2006/main" xmlns:r="http://schemas.openxmlformats.org/officeDocument/2006/relationships" xmlns:p="http://schemas.openxmlformats.org/presentationml/2006/main">
-  <p:cSld>
-    <p:spTree>
-      <p:nvGrpSpPr>
-        <p:cNvPr id="1" name=""/>
-        <p:cNvGrpSpPr/>
-        <p:nvPr/>
-      </p:nvGrpSpPr>
-      <p:grpSpPr>
-        <a:xfrm>
-          <a:off x="0" y="0"/>
-          <a:ext cx="0" cy="0"/>
-          <a:chOff x="0" y="0"/>
-          <a:chExt cx="0" cy="0"/>
-        </a:xfrm>
-      </p:grpSpPr>
-      <p:sp>
-        <p:nvSpPr>
-          <p:cNvPr id="2" name="Title 1">
-            <a:extLst>
-              <a:ext uri="{FF2B5EF4-FFF2-40B4-BE49-F238E27FC236}">
-                <a16:creationId xmlns:a16="http://schemas.microsoft.com/office/drawing/2014/main" id="{5567D468-EE70-CD4E-A3AC-039CC11EF1FB}"/>
-              </a:ext>
-            </a:extLst>
-          </p:cNvPr>
-          <p:cNvSpPr>
-            <a:spLocks noGrp="1"/>
-          </p:cNvSpPr>
-          <p:nvPr>
-            <p:ph type="title"/>
-          </p:nvPr>
-        </p:nvSpPr>
-        <p:spPr/>
-        <p:txBody>
-          <a:bodyPr/>
-          <a:lstStyle/>
-          <a:p>
-            <a:pPr lvl="0" marL="0" indent="0">
-              <a:buNone/>
-            </a:pPr>
-            <a:r>
-              <a:rPr/>
               <a:t>Outcome</a:t>
             </a:r>
             <a:r>
@@ -9407,7 +9285,7 @@
       </p:sp>
       <p:pic>
         <p:nvPicPr>
-          <p:cNvPr descr="../Images/Pipe.png" id="0" name="Picture 1"/>
+          <p:cNvPr descr="../images/Pipe.png" id="0" name="Picture 1"/>
           <p:cNvPicPr>
             <a:picLocks noGrp="1" noChangeAspect="1"/>
           </p:cNvPicPr>
